--- a/baby-experiment/design/design_main.pptx
+++ b/baby-experiment/design/design_main.pptx
@@ -9,9 +9,16 @@
     <p:sldId id="292" r:id="rId3"/>
     <p:sldId id="291" r:id="rId4"/>
     <p:sldId id="287" r:id="rId5"/>
-    <p:sldId id="290" r:id="rId6"/>
-    <p:sldId id="288" r:id="rId7"/>
-    <p:sldId id="289" r:id="rId8"/>
+    <p:sldId id="293" r:id="rId6"/>
+    <p:sldId id="298" r:id="rId7"/>
+    <p:sldId id="297" r:id="rId8"/>
+    <p:sldId id="294" r:id="rId9"/>
+    <p:sldId id="300" r:id="rId10"/>
+    <p:sldId id="301" r:id="rId11"/>
+    <p:sldId id="302" r:id="rId12"/>
+    <p:sldId id="290" r:id="rId13"/>
+    <p:sldId id="288" r:id="rId14"/>
+    <p:sldId id="289" r:id="rId15"/>
   </p:sldIdLst>
   <p:sldSz cx="12192000" cy="6858000"/>
   <p:notesSz cx="6858000" cy="9144000"/>
@@ -6579,6 +6586,741 @@
 </p:sld>
 </file>
 
+<file path=ppt/slides/slide10.xml><?xml version="1.0" encoding="utf-8"?>
+<p:sld xmlns:a="http://schemas.openxmlformats.org/drawingml/2006/main" xmlns:r="http://schemas.openxmlformats.org/officeDocument/2006/relationships" xmlns:p="http://schemas.openxmlformats.org/presentationml/2006/main">
+  <p:cSld>
+    <p:spTree>
+      <p:nvGrpSpPr>
+        <p:cNvPr id="1" name=""/>
+        <p:cNvGrpSpPr/>
+        <p:nvPr/>
+      </p:nvGrpSpPr>
+      <p:grpSpPr>
+        <a:xfrm>
+          <a:off x="0" y="0"/>
+          <a:ext cx="0" cy="0"/>
+          <a:chOff x="0" y="0"/>
+          <a:chExt cx="0" cy="0"/>
+        </a:xfrm>
+      </p:grpSpPr>
+      <p:pic>
+        <p:nvPicPr>
+          <p:cNvPr id="18" name="Picture 17" descr="A picture containing text&#10;&#10;Description automatically generated">
+            <a:extLst>
+              <a:ext uri="{FF2B5EF4-FFF2-40B4-BE49-F238E27FC236}">
+                <a16:creationId xmlns:a16="http://schemas.microsoft.com/office/drawing/2014/main" id="{94578D29-70AC-C948-BA7F-69991F353187}"/>
+              </a:ext>
+            </a:extLst>
+          </p:cNvPr>
+          <p:cNvPicPr>
+            <a:picLocks noChangeAspect="1"/>
+          </p:cNvPicPr>
+          <p:nvPr/>
+        </p:nvPicPr>
+        <p:blipFill rotWithShape="1">
+          <a:blip r:embed="rId2"/>
+          <a:srcRect l="4697" t="20140" r="4719" b="19957"/>
+          <a:stretch/>
+        </p:blipFill>
+        <p:spPr>
+          <a:xfrm>
+            <a:off x="340355" y="2517568"/>
+            <a:ext cx="3326681" cy="2199903"/>
+          </a:xfrm>
+          <a:prstGeom prst="rect">
+            <a:avLst/>
+          </a:prstGeom>
+        </p:spPr>
+      </p:pic>
+      <p:pic>
+        <p:nvPicPr>
+          <p:cNvPr id="6" name="Picture 5" descr="A picture containing text&#10;&#10;Description automatically generated">
+            <a:extLst>
+              <a:ext uri="{FF2B5EF4-FFF2-40B4-BE49-F238E27FC236}">
+                <a16:creationId xmlns:a16="http://schemas.microsoft.com/office/drawing/2014/main" id="{41569761-AEA6-7D44-BED4-C9349FFA1D6C}"/>
+              </a:ext>
+            </a:extLst>
+          </p:cNvPr>
+          <p:cNvPicPr>
+            <a:picLocks noChangeAspect="1"/>
+          </p:cNvPicPr>
+          <p:nvPr/>
+        </p:nvPicPr>
+        <p:blipFill rotWithShape="1">
+          <a:blip r:embed="rId2"/>
+          <a:srcRect l="4697" t="20140" r="4719" b="19957"/>
+          <a:stretch/>
+        </p:blipFill>
+        <p:spPr>
+          <a:xfrm>
+            <a:off x="8524964" y="2517567"/>
+            <a:ext cx="3326681" cy="2199903"/>
+          </a:xfrm>
+          <a:prstGeom prst="rect">
+            <a:avLst/>
+          </a:prstGeom>
+        </p:spPr>
+      </p:pic>
+      <p:pic>
+        <p:nvPicPr>
+          <p:cNvPr id="7" name="Picture 6" descr="A picture containing text&#10;&#10;Description automatically generated">
+            <a:extLst>
+              <a:ext uri="{FF2B5EF4-FFF2-40B4-BE49-F238E27FC236}">
+                <a16:creationId xmlns:a16="http://schemas.microsoft.com/office/drawing/2014/main" id="{929A2FA3-3E54-5B46-A09C-1F9FD464AE1B}"/>
+              </a:ext>
+            </a:extLst>
+          </p:cNvPr>
+          <p:cNvPicPr>
+            <a:picLocks noChangeAspect="1"/>
+          </p:cNvPicPr>
+          <p:nvPr/>
+        </p:nvPicPr>
+        <p:blipFill rotWithShape="1">
+          <a:blip r:embed="rId2">
+            <a:duotone>
+              <a:schemeClr val="accent4">
+                <a:shade val="45000"/>
+                <a:satMod val="135000"/>
+              </a:schemeClr>
+              <a:prstClr val="white"/>
+            </a:duotone>
+          </a:blip>
+          <a:srcRect l="4697" t="20140" r="4719" b="19957"/>
+          <a:stretch/>
+        </p:blipFill>
+        <p:spPr>
+          <a:xfrm>
+            <a:off x="4432659" y="2517567"/>
+            <a:ext cx="3326682" cy="2199904"/>
+          </a:xfrm>
+          <a:prstGeom prst="rect">
+            <a:avLst/>
+          </a:prstGeom>
+        </p:spPr>
+      </p:pic>
+      <p:pic>
+        <p:nvPicPr>
+          <p:cNvPr id="5" name="Picture 4" descr="A picture containing text&#10;&#10;Description automatically generated">
+            <a:extLst>
+              <a:ext uri="{FF2B5EF4-FFF2-40B4-BE49-F238E27FC236}">
+                <a16:creationId xmlns:a16="http://schemas.microsoft.com/office/drawing/2014/main" id="{A2AAB69D-92E0-8342-8C98-2DDB3B622CD9}"/>
+              </a:ext>
+            </a:extLst>
+          </p:cNvPr>
+          <p:cNvPicPr>
+            <a:picLocks noChangeAspect="1"/>
+          </p:cNvPicPr>
+          <p:nvPr/>
+        </p:nvPicPr>
+        <p:blipFill rotWithShape="1">
+          <a:blip r:embed="rId2"/>
+          <a:srcRect l="4697" t="20140" r="4719" b="19957"/>
+          <a:stretch/>
+        </p:blipFill>
+        <p:spPr>
+          <a:xfrm>
+            <a:off x="4432660" y="2517566"/>
+            <a:ext cx="3326681" cy="2199903"/>
+          </a:xfrm>
+          <a:prstGeom prst="rect">
+            <a:avLst/>
+          </a:prstGeom>
+        </p:spPr>
+      </p:pic>
+    </p:spTree>
+    <p:extLst>
+      <p:ext uri="{BB962C8B-B14F-4D97-AF65-F5344CB8AC3E}">
+        <p14:creationId xmlns:p14="http://schemas.microsoft.com/office/powerpoint/2010/main" val="3954579506"/>
+      </p:ext>
+    </p:extLst>
+  </p:cSld>
+  <p:clrMapOvr>
+    <a:masterClrMapping/>
+  </p:clrMapOvr>
+  <p:timing>
+    <p:tnLst>
+      <p:par>
+        <p:cTn id="1" dur="indefinite" restart="never" nodeType="tmRoot">
+          <p:childTnLst>
+            <p:seq concurrent="1" nextAc="seek">
+              <p:cTn id="2" dur="indefinite" nodeType="mainSeq">
+                <p:childTnLst>
+                  <p:par>
+                    <p:cTn id="3" fill="hold">
+                      <p:stCondLst>
+                        <p:cond delay="indefinite"/>
+                        <p:cond evt="onBegin" delay="0">
+                          <p:tn val="2"/>
+                        </p:cond>
+                      </p:stCondLst>
+                      <p:childTnLst>
+                        <p:par>
+                          <p:cTn id="4" fill="hold">
+                            <p:stCondLst>
+                              <p:cond delay="0"/>
+                            </p:stCondLst>
+                            <p:childTnLst>
+                              <p:par>
+                                <p:cTn id="5" presetID="1" presetClass="exit" presetSubtype="0" fill="hold" nodeType="afterEffect">
+                                  <p:stCondLst>
+                                    <p:cond delay="1000"/>
+                                  </p:stCondLst>
+                                  <p:childTnLst>
+                                    <p:set>
+                                      <p:cBhvr>
+                                        <p:cTn id="6" dur="1" fill="hold">
+                                          <p:stCondLst>
+                                            <p:cond delay="0"/>
+                                          </p:stCondLst>
+                                        </p:cTn>
+                                        <p:tgtEl>
+                                          <p:spTgt spid="5"/>
+                                        </p:tgtEl>
+                                        <p:attrNameLst>
+                                          <p:attrName>style.visibility</p:attrName>
+                                        </p:attrNameLst>
+                                      </p:cBhvr>
+                                      <p:to>
+                                        <p:strVal val="hidden"/>
+                                      </p:to>
+                                    </p:set>
+                                  </p:childTnLst>
+                                </p:cTn>
+                              </p:par>
+                            </p:childTnLst>
+                          </p:cTn>
+                        </p:par>
+                        <p:par>
+                          <p:cTn id="7" fill="hold">
+                            <p:stCondLst>
+                              <p:cond delay="1000"/>
+                            </p:stCondLst>
+                            <p:childTnLst>
+                              <p:par>
+                                <p:cTn id="8" presetID="1" presetClass="exit" presetSubtype="0" fill="hold" nodeType="afterEffect">
+                                  <p:stCondLst>
+                                    <p:cond delay="700"/>
+                                  </p:stCondLst>
+                                  <p:childTnLst>
+                                    <p:set>
+                                      <p:cBhvr>
+                                        <p:cTn id="9" dur="1" fill="hold">
+                                          <p:stCondLst>
+                                            <p:cond delay="0"/>
+                                          </p:stCondLst>
+                                        </p:cTn>
+                                        <p:tgtEl>
+                                          <p:spTgt spid="7"/>
+                                        </p:tgtEl>
+                                        <p:attrNameLst>
+                                          <p:attrName>style.visibility</p:attrName>
+                                        </p:attrNameLst>
+                                      </p:cBhvr>
+                                      <p:to>
+                                        <p:strVal val="hidden"/>
+                                      </p:to>
+                                    </p:set>
+                                  </p:childTnLst>
+                                </p:cTn>
+                              </p:par>
+                            </p:childTnLst>
+                          </p:cTn>
+                        </p:par>
+                      </p:childTnLst>
+                    </p:cTn>
+                  </p:par>
+                </p:childTnLst>
+              </p:cTn>
+              <p:prevCondLst>
+                <p:cond evt="onPrev" delay="0">
+                  <p:tgtEl>
+                    <p:sldTgt/>
+                  </p:tgtEl>
+                </p:cond>
+              </p:prevCondLst>
+              <p:nextCondLst>
+                <p:cond evt="onNext" delay="0">
+                  <p:tgtEl>
+                    <p:sldTgt/>
+                  </p:tgtEl>
+                </p:cond>
+              </p:nextCondLst>
+            </p:seq>
+          </p:childTnLst>
+        </p:cTn>
+      </p:par>
+    </p:tnLst>
+  </p:timing>
+</p:sld>
+</file>
+
+<file path=ppt/slides/slide11.xml><?xml version="1.0" encoding="utf-8"?>
+<p:sld xmlns:a="http://schemas.openxmlformats.org/drawingml/2006/main" xmlns:r="http://schemas.openxmlformats.org/officeDocument/2006/relationships" xmlns:p="http://schemas.openxmlformats.org/presentationml/2006/main">
+  <p:cSld>
+    <p:spTree>
+      <p:nvGrpSpPr>
+        <p:cNvPr id="1" name=""/>
+        <p:cNvGrpSpPr/>
+        <p:nvPr/>
+      </p:nvGrpSpPr>
+      <p:grpSpPr>
+        <a:xfrm>
+          <a:off x="0" y="0"/>
+          <a:ext cx="0" cy="0"/>
+          <a:chOff x="0" y="0"/>
+          <a:chExt cx="0" cy="0"/>
+        </a:xfrm>
+      </p:grpSpPr>
+      <p:pic>
+        <p:nvPicPr>
+          <p:cNvPr id="18" name="Picture 17" descr="A picture containing text&#10;&#10;Description automatically generated">
+            <a:extLst>
+              <a:ext uri="{FF2B5EF4-FFF2-40B4-BE49-F238E27FC236}">
+                <a16:creationId xmlns:a16="http://schemas.microsoft.com/office/drawing/2014/main" id="{94578D29-70AC-C948-BA7F-69991F353187}"/>
+              </a:ext>
+            </a:extLst>
+          </p:cNvPr>
+          <p:cNvPicPr>
+            <a:picLocks noChangeAspect="1"/>
+          </p:cNvPicPr>
+          <p:nvPr/>
+        </p:nvPicPr>
+        <p:blipFill rotWithShape="1">
+          <a:blip r:embed="rId2"/>
+          <a:srcRect l="4697" t="20140" r="4719" b="19957"/>
+          <a:stretch/>
+        </p:blipFill>
+        <p:spPr>
+          <a:xfrm>
+            <a:off x="340355" y="2517568"/>
+            <a:ext cx="3326681" cy="2199903"/>
+          </a:xfrm>
+          <a:prstGeom prst="rect">
+            <a:avLst/>
+          </a:prstGeom>
+        </p:spPr>
+      </p:pic>
+      <p:pic>
+        <p:nvPicPr>
+          <p:cNvPr id="30" name="Picture 29" descr="A picture containing text&#10;&#10;Description automatically generated">
+            <a:extLst>
+              <a:ext uri="{FF2B5EF4-FFF2-40B4-BE49-F238E27FC236}">
+                <a16:creationId xmlns:a16="http://schemas.microsoft.com/office/drawing/2014/main" id="{9845375B-239E-4749-8BD5-654F6B6B4EF4}"/>
+              </a:ext>
+            </a:extLst>
+          </p:cNvPr>
+          <p:cNvPicPr>
+            <a:picLocks noChangeAspect="1"/>
+          </p:cNvPicPr>
+          <p:nvPr/>
+        </p:nvPicPr>
+        <p:blipFill rotWithShape="1">
+          <a:blip r:embed="rId2">
+            <a:duotone>
+              <a:schemeClr val="accent4">
+                <a:shade val="45000"/>
+                <a:satMod val="135000"/>
+              </a:schemeClr>
+              <a:prstClr val="white"/>
+            </a:duotone>
+          </a:blip>
+          <a:srcRect l="4697" t="20140" r="4719" b="19957"/>
+          <a:stretch/>
+        </p:blipFill>
+        <p:spPr>
+          <a:xfrm>
+            <a:off x="8524966" y="2517567"/>
+            <a:ext cx="3326682" cy="2199904"/>
+          </a:xfrm>
+          <a:prstGeom prst="rect">
+            <a:avLst/>
+          </a:prstGeom>
+        </p:spPr>
+      </p:pic>
+      <p:pic>
+        <p:nvPicPr>
+          <p:cNvPr id="6" name="Picture 5" descr="A picture containing text&#10;&#10;Description automatically generated">
+            <a:extLst>
+              <a:ext uri="{FF2B5EF4-FFF2-40B4-BE49-F238E27FC236}">
+                <a16:creationId xmlns:a16="http://schemas.microsoft.com/office/drawing/2014/main" id="{41569761-AEA6-7D44-BED4-C9349FFA1D6C}"/>
+              </a:ext>
+            </a:extLst>
+          </p:cNvPr>
+          <p:cNvPicPr>
+            <a:picLocks noChangeAspect="1"/>
+          </p:cNvPicPr>
+          <p:nvPr/>
+        </p:nvPicPr>
+        <p:blipFill rotWithShape="1">
+          <a:blip r:embed="rId2"/>
+          <a:srcRect l="4697" t="20140" r="4719" b="19957"/>
+          <a:stretch/>
+        </p:blipFill>
+        <p:spPr>
+          <a:xfrm>
+            <a:off x="4432660" y="2517568"/>
+            <a:ext cx="3326681" cy="2199903"/>
+          </a:xfrm>
+          <a:prstGeom prst="rect">
+            <a:avLst/>
+          </a:prstGeom>
+        </p:spPr>
+      </p:pic>
+      <p:pic>
+        <p:nvPicPr>
+          <p:cNvPr id="5" name="Picture 4" descr="A picture containing text&#10;&#10;Description automatically generated">
+            <a:extLst>
+              <a:ext uri="{FF2B5EF4-FFF2-40B4-BE49-F238E27FC236}">
+                <a16:creationId xmlns:a16="http://schemas.microsoft.com/office/drawing/2014/main" id="{332447CB-8096-8144-9875-BB3287FEA88B}"/>
+              </a:ext>
+            </a:extLst>
+          </p:cNvPr>
+          <p:cNvPicPr>
+            <a:picLocks noChangeAspect="1"/>
+          </p:cNvPicPr>
+          <p:nvPr/>
+        </p:nvPicPr>
+        <p:blipFill rotWithShape="1">
+          <a:blip r:embed="rId2"/>
+          <a:srcRect l="4697" t="20140" r="4719" b="19957"/>
+          <a:stretch/>
+        </p:blipFill>
+        <p:spPr>
+          <a:xfrm>
+            <a:off x="8524964" y="2517567"/>
+            <a:ext cx="3326681" cy="2199903"/>
+          </a:xfrm>
+          <a:prstGeom prst="rect">
+            <a:avLst/>
+          </a:prstGeom>
+        </p:spPr>
+      </p:pic>
+    </p:spTree>
+    <p:extLst>
+      <p:ext uri="{BB962C8B-B14F-4D97-AF65-F5344CB8AC3E}">
+        <p14:creationId xmlns:p14="http://schemas.microsoft.com/office/powerpoint/2010/main" val="173881997"/>
+      </p:ext>
+    </p:extLst>
+  </p:cSld>
+  <p:clrMapOvr>
+    <a:masterClrMapping/>
+  </p:clrMapOvr>
+  <p:timing>
+    <p:tnLst>
+      <p:par>
+        <p:cTn id="1" dur="indefinite" restart="never" nodeType="tmRoot">
+          <p:childTnLst>
+            <p:seq concurrent="1" nextAc="seek">
+              <p:cTn id="2" dur="indefinite" nodeType="mainSeq">
+                <p:childTnLst>
+                  <p:par>
+                    <p:cTn id="3" fill="hold">
+                      <p:stCondLst>
+                        <p:cond delay="indefinite"/>
+                        <p:cond evt="onBegin" delay="0">
+                          <p:tn val="2"/>
+                        </p:cond>
+                      </p:stCondLst>
+                      <p:childTnLst>
+                        <p:par>
+                          <p:cTn id="4" fill="hold">
+                            <p:stCondLst>
+                              <p:cond delay="0"/>
+                            </p:stCondLst>
+                            <p:childTnLst>
+                              <p:par>
+                                <p:cTn id="5" presetID="1" presetClass="exit" presetSubtype="0" fill="hold" nodeType="afterEffect">
+                                  <p:stCondLst>
+                                    <p:cond delay="1000"/>
+                                  </p:stCondLst>
+                                  <p:childTnLst>
+                                    <p:set>
+                                      <p:cBhvr>
+                                        <p:cTn id="6" dur="1" fill="hold">
+                                          <p:stCondLst>
+                                            <p:cond delay="0"/>
+                                          </p:stCondLst>
+                                        </p:cTn>
+                                        <p:tgtEl>
+                                          <p:spTgt spid="5"/>
+                                        </p:tgtEl>
+                                        <p:attrNameLst>
+                                          <p:attrName>style.visibility</p:attrName>
+                                        </p:attrNameLst>
+                                      </p:cBhvr>
+                                      <p:to>
+                                        <p:strVal val="hidden"/>
+                                      </p:to>
+                                    </p:set>
+                                  </p:childTnLst>
+                                </p:cTn>
+                              </p:par>
+                            </p:childTnLst>
+                          </p:cTn>
+                        </p:par>
+                      </p:childTnLst>
+                    </p:cTn>
+                  </p:par>
+                  <p:par>
+                    <p:cTn id="7" fill="hold">
+                      <p:stCondLst>
+                        <p:cond delay="indefinite"/>
+                      </p:stCondLst>
+                      <p:childTnLst>
+                        <p:par>
+                          <p:cTn id="8" fill="hold">
+                            <p:stCondLst>
+                              <p:cond delay="0"/>
+                            </p:stCondLst>
+                            <p:childTnLst>
+                              <p:par>
+                                <p:cTn id="9" presetID="1" presetClass="exit" presetSubtype="0" fill="hold" nodeType="clickEffect">
+                                  <p:stCondLst>
+                                    <p:cond delay="0"/>
+                                  </p:stCondLst>
+                                  <p:childTnLst>
+                                    <p:set>
+                                      <p:cBhvr>
+                                        <p:cTn id="10" dur="1" fill="hold">
+                                          <p:stCondLst>
+                                            <p:cond delay="0"/>
+                                          </p:stCondLst>
+                                        </p:cTn>
+                                        <p:tgtEl>
+                                          <p:spTgt spid="30"/>
+                                        </p:tgtEl>
+                                        <p:attrNameLst>
+                                          <p:attrName>style.visibility</p:attrName>
+                                        </p:attrNameLst>
+                                      </p:cBhvr>
+                                      <p:to>
+                                        <p:strVal val="hidden"/>
+                                      </p:to>
+                                    </p:set>
+                                  </p:childTnLst>
+                                </p:cTn>
+                              </p:par>
+                            </p:childTnLst>
+                          </p:cTn>
+                        </p:par>
+                      </p:childTnLst>
+                    </p:cTn>
+                  </p:par>
+                </p:childTnLst>
+              </p:cTn>
+              <p:prevCondLst>
+                <p:cond evt="onPrev" delay="0">
+                  <p:tgtEl>
+                    <p:sldTgt/>
+                  </p:tgtEl>
+                </p:cond>
+              </p:prevCondLst>
+              <p:nextCondLst>
+                <p:cond evt="onNext" delay="0">
+                  <p:tgtEl>
+                    <p:sldTgt/>
+                  </p:tgtEl>
+                </p:cond>
+              </p:nextCondLst>
+            </p:seq>
+          </p:childTnLst>
+        </p:cTn>
+      </p:par>
+    </p:tnLst>
+  </p:timing>
+</p:sld>
+</file>
+
+<file path=ppt/slides/slide12.xml><?xml version="1.0" encoding="utf-8"?>
+<p:sld xmlns:a="http://schemas.openxmlformats.org/drawingml/2006/main" xmlns:r="http://schemas.openxmlformats.org/officeDocument/2006/relationships" xmlns:p="http://schemas.openxmlformats.org/presentationml/2006/main">
+  <p:cSld>
+    <p:spTree>
+      <p:nvGrpSpPr>
+        <p:cNvPr id="1" name=""/>
+        <p:cNvGrpSpPr/>
+        <p:nvPr/>
+      </p:nvGrpSpPr>
+      <p:grpSpPr>
+        <a:xfrm>
+          <a:off x="0" y="0"/>
+          <a:ext cx="0" cy="0"/>
+          <a:chOff x="0" y="0"/>
+          <a:chExt cx="0" cy="0"/>
+        </a:xfrm>
+      </p:grpSpPr>
+    </p:spTree>
+    <p:extLst>
+      <p:ext uri="{BB962C8B-B14F-4D97-AF65-F5344CB8AC3E}">
+        <p14:creationId xmlns:p14="http://schemas.microsoft.com/office/powerpoint/2010/main" val="3006665327"/>
+      </p:ext>
+    </p:extLst>
+  </p:cSld>
+  <p:clrMapOvr>
+    <a:masterClrMapping/>
+  </p:clrMapOvr>
+</p:sld>
+</file>
+
+<file path=ppt/slides/slide13.xml><?xml version="1.0" encoding="utf-8"?>
+<p:sld xmlns:a="http://schemas.openxmlformats.org/drawingml/2006/main" xmlns:r="http://schemas.openxmlformats.org/officeDocument/2006/relationships" xmlns:p="http://schemas.openxmlformats.org/presentationml/2006/main">
+  <p:cSld>
+    <p:spTree>
+      <p:nvGrpSpPr>
+        <p:cNvPr id="1" name=""/>
+        <p:cNvGrpSpPr/>
+        <p:nvPr/>
+      </p:nvGrpSpPr>
+      <p:grpSpPr>
+        <a:xfrm>
+          <a:off x="0" y="0"/>
+          <a:ext cx="0" cy="0"/>
+          <a:chOff x="0" y="0"/>
+          <a:chExt cx="0" cy="0"/>
+        </a:xfrm>
+      </p:grpSpPr>
+      <p:sp>
+        <p:nvSpPr>
+          <p:cNvPr id="2" name="Title 1">
+            <a:extLst>
+              <a:ext uri="{FF2B5EF4-FFF2-40B4-BE49-F238E27FC236}">
+                <a16:creationId xmlns:a16="http://schemas.microsoft.com/office/drawing/2014/main" id="{B077ED55-DBC7-134A-BF9C-DC0D6965EA7B}"/>
+              </a:ext>
+            </a:extLst>
+          </p:cNvPr>
+          <p:cNvSpPr>
+            <a:spLocks noGrp="1"/>
+          </p:cNvSpPr>
+          <p:nvPr>
+            <p:ph type="title"/>
+          </p:nvPr>
+        </p:nvSpPr>
+        <p:spPr/>
+        <p:txBody>
+          <a:bodyPr/>
+          <a:lstStyle/>
+          <a:p>
+            <a:endParaRPr lang="en-US"/>
+          </a:p>
+        </p:txBody>
+      </p:sp>
+      <p:sp>
+        <p:nvSpPr>
+          <p:cNvPr id="3" name="Content Placeholder 2">
+            <a:extLst>
+              <a:ext uri="{FF2B5EF4-FFF2-40B4-BE49-F238E27FC236}">
+                <a16:creationId xmlns:a16="http://schemas.microsoft.com/office/drawing/2014/main" id="{7D5A610D-29D8-BE41-8B83-1EA472766B64}"/>
+              </a:ext>
+            </a:extLst>
+          </p:cNvPr>
+          <p:cNvSpPr>
+            <a:spLocks noGrp="1"/>
+          </p:cNvSpPr>
+          <p:nvPr>
+            <p:ph idx="1"/>
+          </p:nvPr>
+        </p:nvSpPr>
+        <p:spPr/>
+        <p:txBody>
+          <a:bodyPr/>
+          <a:lstStyle/>
+          <a:p>
+            <a:endParaRPr lang="en-US"/>
+          </a:p>
+        </p:txBody>
+      </p:sp>
+    </p:spTree>
+    <p:extLst>
+      <p:ext uri="{BB962C8B-B14F-4D97-AF65-F5344CB8AC3E}">
+        <p14:creationId xmlns:p14="http://schemas.microsoft.com/office/powerpoint/2010/main" val="1143467939"/>
+      </p:ext>
+    </p:extLst>
+  </p:cSld>
+  <p:clrMapOvr>
+    <a:masterClrMapping/>
+  </p:clrMapOvr>
+</p:sld>
+</file>
+
+<file path=ppt/slides/slide14.xml><?xml version="1.0" encoding="utf-8"?>
+<p:sld xmlns:a="http://schemas.openxmlformats.org/drawingml/2006/main" xmlns:r="http://schemas.openxmlformats.org/officeDocument/2006/relationships" xmlns:p="http://schemas.openxmlformats.org/presentationml/2006/main">
+  <p:cSld>
+    <p:spTree>
+      <p:nvGrpSpPr>
+        <p:cNvPr id="1" name=""/>
+        <p:cNvGrpSpPr/>
+        <p:nvPr/>
+      </p:nvGrpSpPr>
+      <p:grpSpPr>
+        <a:xfrm>
+          <a:off x="0" y="0"/>
+          <a:ext cx="0" cy="0"/>
+          <a:chOff x="0" y="0"/>
+          <a:chExt cx="0" cy="0"/>
+        </a:xfrm>
+      </p:grpSpPr>
+      <p:sp>
+        <p:nvSpPr>
+          <p:cNvPr id="2" name="Title 1">
+            <a:extLst>
+              <a:ext uri="{FF2B5EF4-FFF2-40B4-BE49-F238E27FC236}">
+                <a16:creationId xmlns:a16="http://schemas.microsoft.com/office/drawing/2014/main" id="{18DBD84A-CD5F-464D-B7BC-9388C65C6022}"/>
+              </a:ext>
+            </a:extLst>
+          </p:cNvPr>
+          <p:cNvSpPr>
+            <a:spLocks noGrp="1"/>
+          </p:cNvSpPr>
+          <p:nvPr>
+            <p:ph type="title"/>
+          </p:nvPr>
+        </p:nvSpPr>
+        <p:spPr/>
+        <p:txBody>
+          <a:bodyPr/>
+          <a:lstStyle/>
+          <a:p>
+            <a:endParaRPr lang="en-US"/>
+          </a:p>
+        </p:txBody>
+      </p:sp>
+      <p:sp>
+        <p:nvSpPr>
+          <p:cNvPr id="3" name="Content Placeholder 2">
+            <a:extLst>
+              <a:ext uri="{FF2B5EF4-FFF2-40B4-BE49-F238E27FC236}">
+                <a16:creationId xmlns:a16="http://schemas.microsoft.com/office/drawing/2014/main" id="{8B5B401C-F7E9-C644-BE96-12D9504793D3}"/>
+              </a:ext>
+            </a:extLst>
+          </p:cNvPr>
+          <p:cNvSpPr>
+            <a:spLocks noGrp="1"/>
+          </p:cNvSpPr>
+          <p:nvPr>
+            <p:ph idx="1"/>
+          </p:nvPr>
+        </p:nvSpPr>
+        <p:spPr/>
+        <p:txBody>
+          <a:bodyPr/>
+          <a:lstStyle/>
+          <a:p>
+            <a:endParaRPr lang="en-US"/>
+          </a:p>
+        </p:txBody>
+      </p:sp>
+    </p:spTree>
+    <p:extLst>
+      <p:ext uri="{BB962C8B-B14F-4D97-AF65-F5344CB8AC3E}">
+        <p14:creationId xmlns:p14="http://schemas.microsoft.com/office/powerpoint/2010/main" val="674693450"/>
+      </p:ext>
+    </p:extLst>
+  </p:cSld>
+  <p:clrMapOvr>
+    <a:masterClrMapping/>
+  </p:clrMapOvr>
+</p:sld>
+</file>
+
 <file path=ppt/slides/slide2.xml><?xml version="1.0" encoding="utf-8"?>
 <p:sld xmlns:a="http://schemas.openxmlformats.org/drawingml/2006/main" xmlns:r="http://schemas.openxmlformats.org/officeDocument/2006/relationships" xmlns:p="http://schemas.openxmlformats.org/presentationml/2006/main">
   <p:cSld>
@@ -8223,24 +8965,16 @@
                             </p:stCondLst>
                             <p:childTnLst>
                               <p:par>
-                                <p:cTn id="12" presetID="9" presetClass="exit" presetSubtype="0" fill="hold" nodeType="clickEffect">
+                                <p:cTn id="12" presetID="1" presetClass="exit" presetSubtype="0" fill="hold" nodeType="clickEffect">
                                   <p:stCondLst>
                                     <p:cond delay="0"/>
                                   </p:stCondLst>
                                   <p:childTnLst>
-                                    <p:animEffect transition="out" filter="dissolve">
-                                      <p:cBhvr>
-                                        <p:cTn id="13" dur="500"/>
-                                        <p:tgtEl>
-                                          <p:spTgt spid="12"/>
-                                        </p:tgtEl>
-                                      </p:cBhvr>
-                                    </p:animEffect>
                                     <p:set>
                                       <p:cBhvr>
-                                        <p:cTn id="14" dur="1" fill="hold">
+                                        <p:cTn id="13" dur="1" fill="hold">
                                           <p:stCondLst>
-                                            <p:cond delay="499"/>
+                                            <p:cond delay="0"/>
                                           </p:stCondLst>
                                         </p:cTn>
                                         <p:tgtEl>
@@ -8258,14 +8992,14 @@
                                 </p:cTn>
                               </p:par>
                               <p:par>
-                                <p:cTn id="15" presetID="1" presetClass="entr" presetSubtype="0" fill="hold" nodeType="withEffect">
+                                <p:cTn id="14" presetID="1" presetClass="entr" presetSubtype="0" fill="hold" nodeType="withEffect">
                                   <p:stCondLst>
                                     <p:cond delay="0"/>
                                   </p:stCondLst>
                                   <p:childTnLst>
                                     <p:set>
                                       <p:cBhvr>
-                                        <p:cTn id="16" dur="1" fill="hold">
+                                        <p:cTn id="15" dur="1" fill="hold">
                                           <p:stCondLst>
                                             <p:cond delay="0"/>
                                           </p:stCondLst>
@@ -8332,16 +9066,288 @@
           <a:chExt cx="0" cy="0"/>
         </a:xfrm>
       </p:grpSpPr>
+      <p:pic>
+        <p:nvPicPr>
+          <p:cNvPr id="18" name="Picture 17" descr="A picture containing text&#10;&#10;Description automatically generated">
+            <a:extLst>
+              <a:ext uri="{FF2B5EF4-FFF2-40B4-BE49-F238E27FC236}">
+                <a16:creationId xmlns:a16="http://schemas.microsoft.com/office/drawing/2014/main" id="{94578D29-70AC-C948-BA7F-69991F353187}"/>
+              </a:ext>
+            </a:extLst>
+          </p:cNvPr>
+          <p:cNvPicPr>
+            <a:picLocks noChangeAspect="1"/>
+          </p:cNvPicPr>
+          <p:nvPr/>
+        </p:nvPicPr>
+        <p:blipFill rotWithShape="1">
+          <a:blip r:embed="rId2"/>
+          <a:srcRect l="4697" t="20140" r="4719" b="19957"/>
+          <a:stretch/>
+        </p:blipFill>
+        <p:spPr>
+          <a:xfrm>
+            <a:off x="1170253" y="2152402"/>
+            <a:ext cx="3860927" cy="2553195"/>
+          </a:xfrm>
+          <a:prstGeom prst="rect">
+            <a:avLst/>
+          </a:prstGeom>
+        </p:spPr>
+      </p:pic>
+      <p:pic>
+        <p:nvPicPr>
+          <p:cNvPr id="22" name="Picture 21">
+            <a:extLst>
+              <a:ext uri="{FF2B5EF4-FFF2-40B4-BE49-F238E27FC236}">
+                <a16:creationId xmlns:a16="http://schemas.microsoft.com/office/drawing/2014/main" id="{4C6D9BBF-9026-DB4A-A8A2-90C4E06F550D}"/>
+              </a:ext>
+            </a:extLst>
+          </p:cNvPr>
+          <p:cNvPicPr>
+            <a:picLocks noChangeAspect="1"/>
+          </p:cNvPicPr>
+          <p:nvPr/>
+        </p:nvPicPr>
+        <p:blipFill>
+          <a:blip r:embed="rId3"/>
+          <a:stretch>
+            <a:fillRect/>
+          </a:stretch>
+        </p:blipFill>
+        <p:spPr>
+          <a:xfrm>
+            <a:off x="8134596" y="2253819"/>
+            <a:ext cx="1949568" cy="1949568"/>
+          </a:xfrm>
+          <a:prstGeom prst="rect">
+            <a:avLst/>
+          </a:prstGeom>
+        </p:spPr>
+      </p:pic>
+      <p:pic>
+        <p:nvPicPr>
+          <p:cNvPr id="30" name="Picture 29" descr="A picture containing text&#10;&#10;Description automatically generated">
+            <a:extLst>
+              <a:ext uri="{FF2B5EF4-FFF2-40B4-BE49-F238E27FC236}">
+                <a16:creationId xmlns:a16="http://schemas.microsoft.com/office/drawing/2014/main" id="{9845375B-239E-4749-8BD5-654F6B6B4EF4}"/>
+              </a:ext>
+            </a:extLst>
+          </p:cNvPr>
+          <p:cNvPicPr>
+            <a:picLocks noChangeAspect="1"/>
+          </p:cNvPicPr>
+          <p:nvPr/>
+        </p:nvPicPr>
+        <p:blipFill rotWithShape="1">
+          <a:blip r:embed="rId2">
+            <a:duotone>
+              <a:schemeClr val="accent4">
+                <a:shade val="45000"/>
+                <a:satMod val="135000"/>
+              </a:schemeClr>
+              <a:prstClr val="white"/>
+            </a:duotone>
+          </a:blip>
+          <a:srcRect l="4697" t="20140" r="4719" b="19957"/>
+          <a:stretch/>
+        </p:blipFill>
+        <p:spPr>
+          <a:xfrm>
+            <a:off x="6978732" y="2152402"/>
+            <a:ext cx="3860927" cy="2553195"/>
+          </a:xfrm>
+          <a:prstGeom prst="rect">
+            <a:avLst/>
+          </a:prstGeom>
+        </p:spPr>
+      </p:pic>
+      <p:pic>
+        <p:nvPicPr>
+          <p:cNvPr id="26" name="Picture 25" descr="A picture containing text&#10;&#10;Description automatically generated">
+            <a:extLst>
+              <a:ext uri="{FF2B5EF4-FFF2-40B4-BE49-F238E27FC236}">
+                <a16:creationId xmlns:a16="http://schemas.microsoft.com/office/drawing/2014/main" id="{6F32703E-8B6F-0A47-96D0-12175DBE6E2C}"/>
+              </a:ext>
+            </a:extLst>
+          </p:cNvPr>
+          <p:cNvPicPr>
+            <a:picLocks noChangeAspect="1"/>
+          </p:cNvPicPr>
+          <p:nvPr/>
+        </p:nvPicPr>
+        <p:blipFill rotWithShape="1">
+          <a:blip r:embed="rId2"/>
+          <a:srcRect l="4697" t="20140" r="4719" b="19957"/>
+          <a:stretch/>
+        </p:blipFill>
+        <p:spPr>
+          <a:xfrm>
+            <a:off x="6990606" y="2152402"/>
+            <a:ext cx="3860927" cy="2553195"/>
+          </a:xfrm>
+          <a:prstGeom prst="rect">
+            <a:avLst/>
+          </a:prstGeom>
+        </p:spPr>
+      </p:pic>
     </p:spTree>
     <p:extLst>
       <p:ext uri="{BB962C8B-B14F-4D97-AF65-F5344CB8AC3E}">
-        <p14:creationId xmlns:p14="http://schemas.microsoft.com/office/powerpoint/2010/main" val="3006665327"/>
+        <p14:creationId xmlns:p14="http://schemas.microsoft.com/office/powerpoint/2010/main" val="2518601104"/>
       </p:ext>
     </p:extLst>
   </p:cSld>
   <p:clrMapOvr>
     <a:masterClrMapping/>
   </p:clrMapOvr>
+  <p:timing>
+    <p:tnLst>
+      <p:par>
+        <p:cTn id="1" dur="indefinite" restart="never" nodeType="tmRoot">
+          <p:childTnLst>
+            <p:seq concurrent="1" nextAc="seek">
+              <p:cTn id="2" dur="indefinite" nodeType="mainSeq">
+                <p:childTnLst>
+                  <p:par>
+                    <p:cTn id="3" fill="hold">
+                      <p:stCondLst>
+                        <p:cond delay="indefinite"/>
+                      </p:stCondLst>
+                      <p:childTnLst>
+                        <p:par>
+                          <p:cTn id="4" fill="hold">
+                            <p:stCondLst>
+                              <p:cond delay="0"/>
+                            </p:stCondLst>
+                            <p:childTnLst>
+                              <p:par>
+                                <p:cTn id="5" presetID="1" presetClass="exit" presetSubtype="0" fill="hold" nodeType="clickEffect">
+                                  <p:stCondLst>
+                                    <p:cond delay="0"/>
+                                  </p:stCondLst>
+                                  <p:childTnLst>
+                                    <p:set>
+                                      <p:cBhvr>
+                                        <p:cTn id="6" dur="1" fill="hold">
+                                          <p:stCondLst>
+                                            <p:cond delay="0"/>
+                                          </p:stCondLst>
+                                        </p:cTn>
+                                        <p:tgtEl>
+                                          <p:spTgt spid="26"/>
+                                        </p:tgtEl>
+                                        <p:attrNameLst>
+                                          <p:attrName>style.visibility</p:attrName>
+                                        </p:attrNameLst>
+                                      </p:cBhvr>
+                                      <p:to>
+                                        <p:strVal val="hidden"/>
+                                      </p:to>
+                                    </p:set>
+                                  </p:childTnLst>
+                                </p:cTn>
+                              </p:par>
+                            </p:childTnLst>
+                          </p:cTn>
+                        </p:par>
+                        <p:par>
+                          <p:cTn id="7" fill="hold">
+                            <p:stCondLst>
+                              <p:cond delay="0"/>
+                            </p:stCondLst>
+                            <p:childTnLst>
+                              <p:par>
+                                <p:cTn id="8" presetID="1" presetClass="exit" presetSubtype="0" fill="hold" nodeType="afterEffect">
+                                  <p:stCondLst>
+                                    <p:cond delay="500"/>
+                                  </p:stCondLst>
+                                  <p:childTnLst>
+                                    <p:set>
+                                      <p:cBhvr>
+                                        <p:cTn id="9" dur="1" fill="hold">
+                                          <p:stCondLst>
+                                            <p:cond delay="0"/>
+                                          </p:stCondLst>
+                                        </p:cTn>
+                                        <p:tgtEl>
+                                          <p:spTgt spid="30"/>
+                                        </p:tgtEl>
+                                        <p:attrNameLst>
+                                          <p:attrName>style.visibility</p:attrName>
+                                        </p:attrNameLst>
+                                      </p:cBhvr>
+                                      <p:to>
+                                        <p:strVal val="hidden"/>
+                                      </p:to>
+                                    </p:set>
+                                  </p:childTnLst>
+                                </p:cTn>
+                              </p:par>
+                            </p:childTnLst>
+                          </p:cTn>
+                        </p:par>
+                        <p:par>
+                          <p:cTn id="10" fill="hold">
+                            <p:stCondLst>
+                              <p:cond delay="500"/>
+                            </p:stCondLst>
+                            <p:childTnLst>
+                              <p:par>
+                                <p:cTn id="11" presetID="1" presetClass="entr" presetSubtype="0" fill="hold" nodeType="afterEffect">
+                                  <p:stCondLst>
+                                    <p:cond delay="0"/>
+                                  </p:stCondLst>
+                                  <p:childTnLst>
+                                    <p:set>
+                                      <p:cBhvr>
+                                        <p:cTn id="12" dur="1" fill="hold">
+                                          <p:stCondLst>
+                                            <p:cond delay="0"/>
+                                          </p:stCondLst>
+                                        </p:cTn>
+                                        <p:tgtEl>
+                                          <p:spTgt spid="22"/>
+                                        </p:tgtEl>
+                                        <p:attrNameLst>
+                                          <p:attrName>style.visibility</p:attrName>
+                                        </p:attrNameLst>
+                                      </p:cBhvr>
+                                      <p:to>
+                                        <p:strVal val="visible"/>
+                                      </p:to>
+                                    </p:set>
+                                  </p:childTnLst>
+                                </p:cTn>
+                              </p:par>
+                            </p:childTnLst>
+                          </p:cTn>
+                        </p:par>
+                      </p:childTnLst>
+                    </p:cTn>
+                  </p:par>
+                </p:childTnLst>
+              </p:cTn>
+              <p:prevCondLst>
+                <p:cond evt="onPrev" delay="0">
+                  <p:tgtEl>
+                    <p:sldTgt/>
+                  </p:tgtEl>
+                </p:cond>
+              </p:prevCondLst>
+              <p:nextCondLst>
+                <p:cond evt="onNext" delay="0">
+                  <p:tgtEl>
+                    <p:sldTgt/>
+                  </p:tgtEl>
+                </p:cond>
+              </p:nextCondLst>
+            </p:seq>
+          </p:childTnLst>
+        </p:cTn>
+      </p:par>
+    </p:tnLst>
+  </p:timing>
 </p:sld>
 </file>
 
@@ -8362,66 +9368,189 @@
           <a:chExt cx="0" cy="0"/>
         </a:xfrm>
       </p:grpSpPr>
-      <p:sp>
-        <p:nvSpPr>
-          <p:cNvPr id="2" name="Title 1">
-            <a:extLst>
-              <a:ext uri="{FF2B5EF4-FFF2-40B4-BE49-F238E27FC236}">
-                <a16:creationId xmlns:a16="http://schemas.microsoft.com/office/drawing/2014/main" id="{B077ED55-DBC7-134A-BF9C-DC0D6965EA7B}"/>
-              </a:ext>
-            </a:extLst>
-          </p:cNvPr>
-          <p:cNvSpPr>
-            <a:spLocks noGrp="1"/>
-          </p:cNvSpPr>
-          <p:nvPr>
-            <p:ph type="title"/>
-          </p:nvPr>
-        </p:nvSpPr>
-        <p:spPr/>
-        <p:txBody>
-          <a:bodyPr/>
-          <a:lstStyle/>
-          <a:p>
-            <a:endParaRPr lang="en-US"/>
-          </a:p>
-        </p:txBody>
-      </p:sp>
-      <p:sp>
-        <p:nvSpPr>
-          <p:cNvPr id="3" name="Content Placeholder 2">
-            <a:extLst>
-              <a:ext uri="{FF2B5EF4-FFF2-40B4-BE49-F238E27FC236}">
-                <a16:creationId xmlns:a16="http://schemas.microsoft.com/office/drawing/2014/main" id="{7D5A610D-29D8-BE41-8B83-1EA472766B64}"/>
-              </a:ext>
-            </a:extLst>
-          </p:cNvPr>
-          <p:cNvSpPr>
-            <a:spLocks noGrp="1"/>
-          </p:cNvSpPr>
-          <p:nvPr>
-            <p:ph idx="1"/>
-          </p:nvPr>
-        </p:nvSpPr>
-        <p:spPr/>
-        <p:txBody>
-          <a:bodyPr/>
-          <a:lstStyle/>
-          <a:p>
-            <a:endParaRPr lang="en-US"/>
-          </a:p>
-        </p:txBody>
-      </p:sp>
+      <p:pic>
+        <p:nvPicPr>
+          <p:cNvPr id="18" name="Picture 17" descr="A picture containing text&#10;&#10;Description automatically generated">
+            <a:extLst>
+              <a:ext uri="{FF2B5EF4-FFF2-40B4-BE49-F238E27FC236}">
+                <a16:creationId xmlns:a16="http://schemas.microsoft.com/office/drawing/2014/main" id="{94578D29-70AC-C948-BA7F-69991F353187}"/>
+              </a:ext>
+            </a:extLst>
+          </p:cNvPr>
+          <p:cNvPicPr>
+            <a:picLocks noChangeAspect="1"/>
+          </p:cNvPicPr>
+          <p:nvPr/>
+        </p:nvPicPr>
+        <p:blipFill rotWithShape="1">
+          <a:blip r:embed="rId2"/>
+          <a:srcRect l="4697" t="20140" r="4719" b="19957"/>
+          <a:stretch/>
+        </p:blipFill>
+        <p:spPr>
+          <a:xfrm>
+            <a:off x="4432659" y="2517567"/>
+            <a:ext cx="3326681" cy="2199903"/>
+          </a:xfrm>
+          <a:prstGeom prst="rect">
+            <a:avLst/>
+          </a:prstGeom>
+        </p:spPr>
+      </p:pic>
+      <p:pic>
+        <p:nvPicPr>
+          <p:cNvPr id="6" name="Picture 5" descr="A picture containing text&#10;&#10;Description automatically generated">
+            <a:extLst>
+              <a:ext uri="{FF2B5EF4-FFF2-40B4-BE49-F238E27FC236}">
+                <a16:creationId xmlns:a16="http://schemas.microsoft.com/office/drawing/2014/main" id="{41569761-AEA6-7D44-BED4-C9349FFA1D6C}"/>
+              </a:ext>
+            </a:extLst>
+          </p:cNvPr>
+          <p:cNvPicPr>
+            <a:picLocks noChangeAspect="1"/>
+          </p:cNvPicPr>
+          <p:nvPr/>
+        </p:nvPicPr>
+        <p:blipFill rotWithShape="1">
+          <a:blip r:embed="rId2"/>
+          <a:srcRect l="4697" t="20140" r="4719" b="19957"/>
+          <a:stretch/>
+        </p:blipFill>
+        <p:spPr>
+          <a:xfrm>
+            <a:off x="8524964" y="2517567"/>
+            <a:ext cx="3326681" cy="2199903"/>
+          </a:xfrm>
+          <a:prstGeom prst="rect">
+            <a:avLst/>
+          </a:prstGeom>
+        </p:spPr>
+      </p:pic>
+      <p:pic>
+        <p:nvPicPr>
+          <p:cNvPr id="13" name="Picture 12" descr="A picture containing text&#10;&#10;Description automatically generated">
+            <a:extLst>
+              <a:ext uri="{FF2B5EF4-FFF2-40B4-BE49-F238E27FC236}">
+                <a16:creationId xmlns:a16="http://schemas.microsoft.com/office/drawing/2014/main" id="{EABC9385-C1F7-964D-BA69-0D4C18CD2695}"/>
+              </a:ext>
+            </a:extLst>
+          </p:cNvPr>
+          <p:cNvPicPr>
+            <a:picLocks noChangeAspect="1"/>
+          </p:cNvPicPr>
+          <p:nvPr/>
+        </p:nvPicPr>
+        <p:blipFill rotWithShape="1">
+          <a:blip r:embed="rId2">
+            <a:duotone>
+              <a:schemeClr val="accent4">
+                <a:shade val="45000"/>
+                <a:satMod val="135000"/>
+              </a:schemeClr>
+              <a:prstClr val="white"/>
+            </a:duotone>
+          </a:blip>
+          <a:srcRect l="4697" t="20140" r="4719" b="19957"/>
+          <a:stretch/>
+        </p:blipFill>
+        <p:spPr>
+          <a:xfrm>
+            <a:off x="340355" y="2517566"/>
+            <a:ext cx="3326682" cy="2199904"/>
+          </a:xfrm>
+          <a:prstGeom prst="rect">
+            <a:avLst/>
+          </a:prstGeom>
+        </p:spPr>
+      </p:pic>
     </p:spTree>
     <p:extLst>
       <p:ext uri="{BB962C8B-B14F-4D97-AF65-F5344CB8AC3E}">
-        <p14:creationId xmlns:p14="http://schemas.microsoft.com/office/powerpoint/2010/main" val="1143467939"/>
+        <p14:creationId xmlns:p14="http://schemas.microsoft.com/office/powerpoint/2010/main" val="587096478"/>
       </p:ext>
     </p:extLst>
   </p:cSld>
   <p:clrMapOvr>
     <a:masterClrMapping/>
   </p:clrMapOvr>
+  <p:timing>
+    <p:tnLst>
+      <p:par>
+        <p:cTn id="1" dur="indefinite" restart="never" nodeType="tmRoot">
+          <p:childTnLst>
+            <p:seq concurrent="1" nextAc="seek">
+              <p:cTn id="2" dur="indefinite" nodeType="mainSeq">
+                <p:childTnLst>
+                  <p:par>
+                    <p:cTn id="3" fill="hold">
+                      <p:stCondLst>
+                        <p:cond delay="indefinite"/>
+                        <p:cond evt="onBegin" delay="0">
+                          <p:tn val="2"/>
+                        </p:cond>
+                      </p:stCondLst>
+                      <p:childTnLst>
+                        <p:par>
+                          <p:cTn id="4" fill="hold">
+                            <p:stCondLst>
+                              <p:cond delay="0"/>
+                            </p:stCondLst>
+                            <p:childTnLst>
+                              <p:par>
+                                <p:cTn id="5" presetID="1" presetClass="exit" presetSubtype="0" fill="hold" nodeType="afterEffect">
+                                  <p:stCondLst>
+                                    <p:cond delay="700"/>
+                                  </p:stCondLst>
+                                  <p:childTnLst>
+                                    <p:set>
+                                      <p:cBhvr>
+                                        <p:cTn id="6" dur="1" fill="hold">
+                                          <p:stCondLst>
+                                            <p:cond delay="0"/>
+                                          </p:stCondLst>
+                                        </p:cTn>
+                                        <p:tgtEl>
+                                          <p:spTgt spid="13"/>
+                                        </p:tgtEl>
+                                        <p:attrNameLst>
+                                          <p:attrName>style.visibility</p:attrName>
+                                        </p:attrNameLst>
+                                      </p:cBhvr>
+                                      <p:to>
+                                        <p:strVal val="hidden"/>
+                                      </p:to>
+                                    </p:set>
+                                  </p:childTnLst>
+                                </p:cTn>
+                              </p:par>
+                            </p:childTnLst>
+                          </p:cTn>
+                        </p:par>
+                      </p:childTnLst>
+                    </p:cTn>
+                  </p:par>
+                </p:childTnLst>
+              </p:cTn>
+              <p:prevCondLst>
+                <p:cond evt="onPrev" delay="0">
+                  <p:tgtEl>
+                    <p:sldTgt/>
+                  </p:tgtEl>
+                </p:cond>
+              </p:prevCondLst>
+              <p:nextCondLst>
+                <p:cond evt="onNext" delay="0">
+                  <p:tgtEl>
+                    <p:sldTgt/>
+                  </p:tgtEl>
+                </p:cond>
+              </p:nextCondLst>
+            </p:seq>
+          </p:childTnLst>
+        </p:cTn>
+      </p:par>
+    </p:tnLst>
+  </p:timing>
 </p:sld>
 </file>
 
@@ -8442,66 +9571,666 @@
           <a:chExt cx="0" cy="0"/>
         </a:xfrm>
       </p:grpSpPr>
-      <p:sp>
-        <p:nvSpPr>
-          <p:cNvPr id="2" name="Title 1">
-            <a:extLst>
-              <a:ext uri="{FF2B5EF4-FFF2-40B4-BE49-F238E27FC236}">
-                <a16:creationId xmlns:a16="http://schemas.microsoft.com/office/drawing/2014/main" id="{18DBD84A-CD5F-464D-B7BC-9388C65C6022}"/>
-              </a:ext>
-            </a:extLst>
-          </p:cNvPr>
-          <p:cNvSpPr>
-            <a:spLocks noGrp="1"/>
-          </p:cNvSpPr>
-          <p:nvPr>
-            <p:ph type="title"/>
-          </p:nvPr>
-        </p:nvSpPr>
-        <p:spPr/>
-        <p:txBody>
-          <a:bodyPr/>
-          <a:lstStyle/>
-          <a:p>
-            <a:endParaRPr lang="en-US"/>
-          </a:p>
-        </p:txBody>
-      </p:sp>
-      <p:sp>
-        <p:nvSpPr>
-          <p:cNvPr id="3" name="Content Placeholder 2">
-            <a:extLst>
-              <a:ext uri="{FF2B5EF4-FFF2-40B4-BE49-F238E27FC236}">
-                <a16:creationId xmlns:a16="http://schemas.microsoft.com/office/drawing/2014/main" id="{8B5B401C-F7E9-C644-BE96-12D9504793D3}"/>
-              </a:ext>
-            </a:extLst>
-          </p:cNvPr>
-          <p:cNvSpPr>
-            <a:spLocks noGrp="1"/>
-          </p:cNvSpPr>
-          <p:nvPr>
-            <p:ph idx="1"/>
-          </p:nvPr>
-        </p:nvSpPr>
-        <p:spPr/>
-        <p:txBody>
-          <a:bodyPr/>
-          <a:lstStyle/>
-          <a:p>
-            <a:endParaRPr lang="en-US"/>
-          </a:p>
-        </p:txBody>
-      </p:sp>
+      <p:pic>
+        <p:nvPicPr>
+          <p:cNvPr id="18" name="Picture 17" descr="A picture containing text&#10;&#10;Description automatically generated">
+            <a:extLst>
+              <a:ext uri="{FF2B5EF4-FFF2-40B4-BE49-F238E27FC236}">
+                <a16:creationId xmlns:a16="http://schemas.microsoft.com/office/drawing/2014/main" id="{94578D29-70AC-C948-BA7F-69991F353187}"/>
+              </a:ext>
+            </a:extLst>
+          </p:cNvPr>
+          <p:cNvPicPr>
+            <a:picLocks noChangeAspect="1"/>
+          </p:cNvPicPr>
+          <p:nvPr/>
+        </p:nvPicPr>
+        <p:blipFill rotWithShape="1">
+          <a:blip r:embed="rId2"/>
+          <a:srcRect l="4697" t="20140" r="4719" b="19957"/>
+          <a:stretch/>
+        </p:blipFill>
+        <p:spPr>
+          <a:xfrm>
+            <a:off x="340355" y="2517568"/>
+            <a:ext cx="3326681" cy="2199903"/>
+          </a:xfrm>
+          <a:prstGeom prst="rect">
+            <a:avLst/>
+          </a:prstGeom>
+        </p:spPr>
+      </p:pic>
+      <p:pic>
+        <p:nvPicPr>
+          <p:cNvPr id="6" name="Picture 5" descr="A picture containing text&#10;&#10;Description automatically generated">
+            <a:extLst>
+              <a:ext uri="{FF2B5EF4-FFF2-40B4-BE49-F238E27FC236}">
+                <a16:creationId xmlns:a16="http://schemas.microsoft.com/office/drawing/2014/main" id="{41569761-AEA6-7D44-BED4-C9349FFA1D6C}"/>
+              </a:ext>
+            </a:extLst>
+          </p:cNvPr>
+          <p:cNvPicPr>
+            <a:picLocks noChangeAspect="1"/>
+          </p:cNvPicPr>
+          <p:nvPr/>
+        </p:nvPicPr>
+        <p:blipFill rotWithShape="1">
+          <a:blip r:embed="rId2"/>
+          <a:srcRect l="4697" t="20140" r="4719" b="19957"/>
+          <a:stretch/>
+        </p:blipFill>
+        <p:spPr>
+          <a:xfrm>
+            <a:off x="8524964" y="2517567"/>
+            <a:ext cx="3326681" cy="2199903"/>
+          </a:xfrm>
+          <a:prstGeom prst="rect">
+            <a:avLst/>
+          </a:prstGeom>
+        </p:spPr>
+      </p:pic>
+      <p:pic>
+        <p:nvPicPr>
+          <p:cNvPr id="7" name="Picture 6" descr="A picture containing text&#10;&#10;Description automatically generated">
+            <a:extLst>
+              <a:ext uri="{FF2B5EF4-FFF2-40B4-BE49-F238E27FC236}">
+                <a16:creationId xmlns:a16="http://schemas.microsoft.com/office/drawing/2014/main" id="{929A2FA3-3E54-5B46-A09C-1F9FD464AE1B}"/>
+              </a:ext>
+            </a:extLst>
+          </p:cNvPr>
+          <p:cNvPicPr>
+            <a:picLocks noChangeAspect="1"/>
+          </p:cNvPicPr>
+          <p:nvPr/>
+        </p:nvPicPr>
+        <p:blipFill rotWithShape="1">
+          <a:blip r:embed="rId2">
+            <a:duotone>
+              <a:schemeClr val="accent4">
+                <a:shade val="45000"/>
+                <a:satMod val="135000"/>
+              </a:schemeClr>
+              <a:prstClr val="white"/>
+            </a:duotone>
+          </a:blip>
+          <a:srcRect l="4697" t="20140" r="4719" b="19957"/>
+          <a:stretch/>
+        </p:blipFill>
+        <p:spPr>
+          <a:xfrm>
+            <a:off x="4432659" y="2517567"/>
+            <a:ext cx="3326682" cy="2199904"/>
+          </a:xfrm>
+          <a:prstGeom prst="rect">
+            <a:avLst/>
+          </a:prstGeom>
+        </p:spPr>
+      </p:pic>
     </p:spTree>
     <p:extLst>
       <p:ext uri="{BB962C8B-B14F-4D97-AF65-F5344CB8AC3E}">
-        <p14:creationId xmlns:p14="http://schemas.microsoft.com/office/powerpoint/2010/main" val="674693450"/>
+        <p14:creationId xmlns:p14="http://schemas.microsoft.com/office/powerpoint/2010/main" val="2937348982"/>
       </p:ext>
     </p:extLst>
   </p:cSld>
   <p:clrMapOvr>
     <a:masterClrMapping/>
   </p:clrMapOvr>
+  <p:timing>
+    <p:tnLst>
+      <p:par>
+        <p:cTn id="1" dur="indefinite" restart="never" nodeType="tmRoot">
+          <p:childTnLst>
+            <p:seq concurrent="1" nextAc="seek">
+              <p:cTn id="2" dur="indefinite" nodeType="mainSeq">
+                <p:childTnLst>
+                  <p:par>
+                    <p:cTn id="3" fill="hold">
+                      <p:stCondLst>
+                        <p:cond delay="indefinite"/>
+                        <p:cond evt="onBegin" delay="0">
+                          <p:tn val="2"/>
+                        </p:cond>
+                      </p:stCondLst>
+                      <p:childTnLst>
+                        <p:par>
+                          <p:cTn id="4" fill="hold">
+                            <p:stCondLst>
+                              <p:cond delay="0"/>
+                            </p:stCondLst>
+                            <p:childTnLst>
+                              <p:par>
+                                <p:cTn id="5" presetID="1" presetClass="exit" presetSubtype="0" fill="hold" nodeType="afterEffect">
+                                  <p:stCondLst>
+                                    <p:cond delay="700"/>
+                                  </p:stCondLst>
+                                  <p:childTnLst>
+                                    <p:set>
+                                      <p:cBhvr>
+                                        <p:cTn id="6" dur="1" fill="hold">
+                                          <p:stCondLst>
+                                            <p:cond delay="0"/>
+                                          </p:stCondLst>
+                                        </p:cTn>
+                                        <p:tgtEl>
+                                          <p:spTgt spid="7"/>
+                                        </p:tgtEl>
+                                        <p:attrNameLst>
+                                          <p:attrName>style.visibility</p:attrName>
+                                        </p:attrNameLst>
+                                      </p:cBhvr>
+                                      <p:to>
+                                        <p:strVal val="hidden"/>
+                                      </p:to>
+                                    </p:set>
+                                  </p:childTnLst>
+                                </p:cTn>
+                              </p:par>
+                            </p:childTnLst>
+                          </p:cTn>
+                        </p:par>
+                      </p:childTnLst>
+                    </p:cTn>
+                  </p:par>
+                </p:childTnLst>
+              </p:cTn>
+              <p:prevCondLst>
+                <p:cond evt="onPrev" delay="0">
+                  <p:tgtEl>
+                    <p:sldTgt/>
+                  </p:tgtEl>
+                </p:cond>
+              </p:prevCondLst>
+              <p:nextCondLst>
+                <p:cond evt="onNext" delay="0">
+                  <p:tgtEl>
+                    <p:sldTgt/>
+                  </p:tgtEl>
+                </p:cond>
+              </p:nextCondLst>
+            </p:seq>
+          </p:childTnLst>
+        </p:cTn>
+      </p:par>
+    </p:tnLst>
+  </p:timing>
+</p:sld>
+</file>
+
+<file path=ppt/slides/slide8.xml><?xml version="1.0" encoding="utf-8"?>
+<p:sld xmlns:a="http://schemas.openxmlformats.org/drawingml/2006/main" xmlns:r="http://schemas.openxmlformats.org/officeDocument/2006/relationships" xmlns:p="http://schemas.openxmlformats.org/presentationml/2006/main">
+  <p:cSld>
+    <p:spTree>
+      <p:nvGrpSpPr>
+        <p:cNvPr id="1" name=""/>
+        <p:cNvGrpSpPr/>
+        <p:nvPr/>
+      </p:nvGrpSpPr>
+      <p:grpSpPr>
+        <a:xfrm>
+          <a:off x="0" y="0"/>
+          <a:ext cx="0" cy="0"/>
+          <a:chOff x="0" y="0"/>
+          <a:chExt cx="0" cy="0"/>
+        </a:xfrm>
+      </p:grpSpPr>
+      <p:pic>
+        <p:nvPicPr>
+          <p:cNvPr id="18" name="Picture 17" descr="A picture containing text&#10;&#10;Description automatically generated">
+            <a:extLst>
+              <a:ext uri="{FF2B5EF4-FFF2-40B4-BE49-F238E27FC236}">
+                <a16:creationId xmlns:a16="http://schemas.microsoft.com/office/drawing/2014/main" id="{94578D29-70AC-C948-BA7F-69991F353187}"/>
+              </a:ext>
+            </a:extLst>
+          </p:cNvPr>
+          <p:cNvPicPr>
+            <a:picLocks noChangeAspect="1"/>
+          </p:cNvPicPr>
+          <p:nvPr/>
+        </p:nvPicPr>
+        <p:blipFill rotWithShape="1">
+          <a:blip r:embed="rId2"/>
+          <a:srcRect l="4697" t="20140" r="4719" b="19957"/>
+          <a:stretch/>
+        </p:blipFill>
+        <p:spPr>
+          <a:xfrm>
+            <a:off x="340355" y="2517568"/>
+            <a:ext cx="3326681" cy="2199903"/>
+          </a:xfrm>
+          <a:prstGeom prst="rect">
+            <a:avLst/>
+          </a:prstGeom>
+        </p:spPr>
+      </p:pic>
+      <p:pic>
+        <p:nvPicPr>
+          <p:cNvPr id="30" name="Picture 29" descr="A picture containing text&#10;&#10;Description automatically generated">
+            <a:extLst>
+              <a:ext uri="{FF2B5EF4-FFF2-40B4-BE49-F238E27FC236}">
+                <a16:creationId xmlns:a16="http://schemas.microsoft.com/office/drawing/2014/main" id="{9845375B-239E-4749-8BD5-654F6B6B4EF4}"/>
+              </a:ext>
+            </a:extLst>
+          </p:cNvPr>
+          <p:cNvPicPr>
+            <a:picLocks noChangeAspect="1"/>
+          </p:cNvPicPr>
+          <p:nvPr/>
+        </p:nvPicPr>
+        <p:blipFill rotWithShape="1">
+          <a:blip r:embed="rId2">
+            <a:duotone>
+              <a:schemeClr val="accent4">
+                <a:shade val="45000"/>
+                <a:satMod val="135000"/>
+              </a:schemeClr>
+              <a:prstClr val="white"/>
+            </a:duotone>
+          </a:blip>
+          <a:srcRect l="4697" t="20140" r="4719" b="19957"/>
+          <a:stretch/>
+        </p:blipFill>
+        <p:spPr>
+          <a:xfrm>
+            <a:off x="8524966" y="2517567"/>
+            <a:ext cx="3326682" cy="2199904"/>
+          </a:xfrm>
+          <a:prstGeom prst="rect">
+            <a:avLst/>
+          </a:prstGeom>
+        </p:spPr>
+      </p:pic>
+      <p:pic>
+        <p:nvPicPr>
+          <p:cNvPr id="6" name="Picture 5" descr="A picture containing text&#10;&#10;Description automatically generated">
+            <a:extLst>
+              <a:ext uri="{FF2B5EF4-FFF2-40B4-BE49-F238E27FC236}">
+                <a16:creationId xmlns:a16="http://schemas.microsoft.com/office/drawing/2014/main" id="{41569761-AEA6-7D44-BED4-C9349FFA1D6C}"/>
+              </a:ext>
+            </a:extLst>
+          </p:cNvPr>
+          <p:cNvPicPr>
+            <a:picLocks noChangeAspect="1"/>
+          </p:cNvPicPr>
+          <p:nvPr/>
+        </p:nvPicPr>
+        <p:blipFill rotWithShape="1">
+          <a:blip r:embed="rId2"/>
+          <a:srcRect l="4697" t="20140" r="4719" b="19957"/>
+          <a:stretch/>
+        </p:blipFill>
+        <p:spPr>
+          <a:xfrm>
+            <a:off x="4432660" y="2517568"/>
+            <a:ext cx="3326681" cy="2199903"/>
+          </a:xfrm>
+          <a:prstGeom prst="rect">
+            <a:avLst/>
+          </a:prstGeom>
+        </p:spPr>
+      </p:pic>
+    </p:spTree>
+    <p:extLst>
+      <p:ext uri="{BB962C8B-B14F-4D97-AF65-F5344CB8AC3E}">
+        <p14:creationId xmlns:p14="http://schemas.microsoft.com/office/powerpoint/2010/main" val="2557746395"/>
+      </p:ext>
+    </p:extLst>
+  </p:cSld>
+  <p:clrMapOvr>
+    <a:masterClrMapping/>
+  </p:clrMapOvr>
+  <p:timing>
+    <p:tnLst>
+      <p:par>
+        <p:cTn id="1" dur="indefinite" restart="never" nodeType="tmRoot">
+          <p:childTnLst>
+            <p:seq concurrent="1" nextAc="seek">
+              <p:cTn id="2" dur="indefinite" nodeType="mainSeq">
+                <p:childTnLst>
+                  <p:par>
+                    <p:cTn id="3" fill="hold">
+                      <p:stCondLst>
+                        <p:cond delay="indefinite"/>
+                        <p:cond evt="onBegin" delay="0">
+                          <p:tn val="2"/>
+                        </p:cond>
+                      </p:stCondLst>
+                      <p:childTnLst>
+                        <p:par>
+                          <p:cTn id="4" fill="hold">
+                            <p:stCondLst>
+                              <p:cond delay="0"/>
+                            </p:stCondLst>
+                            <p:childTnLst>
+                              <p:par>
+                                <p:cTn id="5" presetID="1" presetClass="exit" presetSubtype="0" fill="hold" nodeType="afterEffect">
+                                  <p:stCondLst>
+                                    <p:cond delay="700"/>
+                                  </p:stCondLst>
+                                  <p:childTnLst>
+                                    <p:set>
+                                      <p:cBhvr>
+                                        <p:cTn id="6" dur="1" fill="hold">
+                                          <p:stCondLst>
+                                            <p:cond delay="0"/>
+                                          </p:stCondLst>
+                                        </p:cTn>
+                                        <p:tgtEl>
+                                          <p:spTgt spid="30"/>
+                                        </p:tgtEl>
+                                        <p:attrNameLst>
+                                          <p:attrName>style.visibility</p:attrName>
+                                        </p:attrNameLst>
+                                      </p:cBhvr>
+                                      <p:to>
+                                        <p:strVal val="hidden"/>
+                                      </p:to>
+                                    </p:set>
+                                  </p:childTnLst>
+                                </p:cTn>
+                              </p:par>
+                            </p:childTnLst>
+                          </p:cTn>
+                        </p:par>
+                      </p:childTnLst>
+                    </p:cTn>
+                  </p:par>
+                </p:childTnLst>
+              </p:cTn>
+              <p:prevCondLst>
+                <p:cond evt="onPrev" delay="0">
+                  <p:tgtEl>
+                    <p:sldTgt/>
+                  </p:tgtEl>
+                </p:cond>
+              </p:prevCondLst>
+              <p:nextCondLst>
+                <p:cond evt="onNext" delay="0">
+                  <p:tgtEl>
+                    <p:sldTgt/>
+                  </p:tgtEl>
+                </p:cond>
+              </p:nextCondLst>
+            </p:seq>
+          </p:childTnLst>
+        </p:cTn>
+      </p:par>
+    </p:tnLst>
+  </p:timing>
+</p:sld>
+</file>
+
+<file path=ppt/slides/slide9.xml><?xml version="1.0" encoding="utf-8"?>
+<p:sld xmlns:a="http://schemas.openxmlformats.org/drawingml/2006/main" xmlns:r="http://schemas.openxmlformats.org/officeDocument/2006/relationships" xmlns:p="http://schemas.openxmlformats.org/presentationml/2006/main">
+  <p:cSld>
+    <p:spTree>
+      <p:nvGrpSpPr>
+        <p:cNvPr id="1" name=""/>
+        <p:cNvGrpSpPr/>
+        <p:nvPr/>
+      </p:nvGrpSpPr>
+      <p:grpSpPr>
+        <a:xfrm>
+          <a:off x="0" y="0"/>
+          <a:ext cx="0" cy="0"/>
+          <a:chOff x="0" y="0"/>
+          <a:chExt cx="0" cy="0"/>
+        </a:xfrm>
+      </p:grpSpPr>
+      <p:pic>
+        <p:nvPicPr>
+          <p:cNvPr id="18" name="Picture 17" descr="A picture containing text&#10;&#10;Description automatically generated">
+            <a:extLst>
+              <a:ext uri="{FF2B5EF4-FFF2-40B4-BE49-F238E27FC236}">
+                <a16:creationId xmlns:a16="http://schemas.microsoft.com/office/drawing/2014/main" id="{94578D29-70AC-C948-BA7F-69991F353187}"/>
+              </a:ext>
+            </a:extLst>
+          </p:cNvPr>
+          <p:cNvPicPr>
+            <a:picLocks noChangeAspect="1"/>
+          </p:cNvPicPr>
+          <p:nvPr/>
+        </p:nvPicPr>
+        <p:blipFill rotWithShape="1">
+          <a:blip r:embed="rId2"/>
+          <a:srcRect l="4697" t="20140" r="4719" b="19957"/>
+          <a:stretch/>
+        </p:blipFill>
+        <p:spPr>
+          <a:xfrm>
+            <a:off x="4432659" y="2517565"/>
+            <a:ext cx="3326681" cy="2199903"/>
+          </a:xfrm>
+          <a:prstGeom prst="rect">
+            <a:avLst/>
+          </a:prstGeom>
+        </p:spPr>
+      </p:pic>
+      <p:pic>
+        <p:nvPicPr>
+          <p:cNvPr id="6" name="Picture 5" descr="A picture containing text&#10;&#10;Description automatically generated">
+            <a:extLst>
+              <a:ext uri="{FF2B5EF4-FFF2-40B4-BE49-F238E27FC236}">
+                <a16:creationId xmlns:a16="http://schemas.microsoft.com/office/drawing/2014/main" id="{41569761-AEA6-7D44-BED4-C9349FFA1D6C}"/>
+              </a:ext>
+            </a:extLst>
+          </p:cNvPr>
+          <p:cNvPicPr>
+            <a:picLocks noChangeAspect="1"/>
+          </p:cNvPicPr>
+          <p:nvPr/>
+        </p:nvPicPr>
+        <p:blipFill rotWithShape="1">
+          <a:blip r:embed="rId2"/>
+          <a:srcRect l="4697" t="20140" r="4719" b="19957"/>
+          <a:stretch/>
+        </p:blipFill>
+        <p:spPr>
+          <a:xfrm>
+            <a:off x="8524962" y="2517565"/>
+            <a:ext cx="3326681" cy="2199903"/>
+          </a:xfrm>
+          <a:prstGeom prst="rect">
+            <a:avLst/>
+          </a:prstGeom>
+        </p:spPr>
+      </p:pic>
+      <p:pic>
+        <p:nvPicPr>
+          <p:cNvPr id="13" name="Picture 12" descr="A picture containing text&#10;&#10;Description automatically generated">
+            <a:extLst>
+              <a:ext uri="{FF2B5EF4-FFF2-40B4-BE49-F238E27FC236}">
+                <a16:creationId xmlns:a16="http://schemas.microsoft.com/office/drawing/2014/main" id="{EABC9385-C1F7-964D-BA69-0D4C18CD2695}"/>
+              </a:ext>
+            </a:extLst>
+          </p:cNvPr>
+          <p:cNvPicPr>
+            <a:picLocks noChangeAspect="1"/>
+          </p:cNvPicPr>
+          <p:nvPr/>
+        </p:nvPicPr>
+        <p:blipFill rotWithShape="1">
+          <a:blip r:embed="rId2">
+            <a:duotone>
+              <a:schemeClr val="accent4">
+                <a:shade val="45000"/>
+                <a:satMod val="135000"/>
+              </a:schemeClr>
+              <a:prstClr val="white"/>
+            </a:duotone>
+          </a:blip>
+          <a:srcRect l="4697" t="20140" r="4719" b="19957"/>
+          <a:stretch/>
+        </p:blipFill>
+        <p:spPr>
+          <a:xfrm>
+            <a:off x="340355" y="2517566"/>
+            <a:ext cx="3326682" cy="2199904"/>
+          </a:xfrm>
+          <a:prstGeom prst="rect">
+            <a:avLst/>
+          </a:prstGeom>
+        </p:spPr>
+      </p:pic>
+      <p:pic>
+        <p:nvPicPr>
+          <p:cNvPr id="5" name="Picture 4" descr="A picture containing text&#10;&#10;Description automatically generated">
+            <a:extLst>
+              <a:ext uri="{FF2B5EF4-FFF2-40B4-BE49-F238E27FC236}">
+                <a16:creationId xmlns:a16="http://schemas.microsoft.com/office/drawing/2014/main" id="{22877ADB-657F-D54B-9BE7-3E76682ADCC3}"/>
+              </a:ext>
+            </a:extLst>
+          </p:cNvPr>
+          <p:cNvPicPr>
+            <a:picLocks noChangeAspect="1"/>
+          </p:cNvPicPr>
+          <p:nvPr/>
+        </p:nvPicPr>
+        <p:blipFill rotWithShape="1">
+          <a:blip r:embed="rId2"/>
+          <a:srcRect l="4697" t="20140" r="4719" b="19957"/>
+          <a:stretch/>
+        </p:blipFill>
+        <p:spPr>
+          <a:xfrm>
+            <a:off x="340355" y="2517564"/>
+            <a:ext cx="3326681" cy="2199903"/>
+          </a:xfrm>
+          <a:prstGeom prst="rect">
+            <a:avLst/>
+          </a:prstGeom>
+        </p:spPr>
+      </p:pic>
+    </p:spTree>
+    <p:extLst>
+      <p:ext uri="{BB962C8B-B14F-4D97-AF65-F5344CB8AC3E}">
+        <p14:creationId xmlns:p14="http://schemas.microsoft.com/office/powerpoint/2010/main" val="3374066461"/>
+      </p:ext>
+    </p:extLst>
+  </p:cSld>
+  <p:clrMapOvr>
+    <a:masterClrMapping/>
+  </p:clrMapOvr>
+  <p:timing>
+    <p:tnLst>
+      <p:par>
+        <p:cTn id="1" dur="indefinite" restart="never" nodeType="tmRoot">
+          <p:childTnLst>
+            <p:seq concurrent="1" nextAc="seek">
+              <p:cTn id="2" dur="indefinite" nodeType="mainSeq">
+                <p:childTnLst>
+                  <p:par>
+                    <p:cTn id="3" fill="hold">
+                      <p:stCondLst>
+                        <p:cond delay="indefinite"/>
+                      </p:stCondLst>
+                      <p:childTnLst>
+                        <p:par>
+                          <p:cTn id="4" fill="hold">
+                            <p:stCondLst>
+                              <p:cond delay="0"/>
+                            </p:stCondLst>
+                            <p:childTnLst>
+                              <p:par>
+                                <p:cTn id="5" presetID="1" presetClass="exit" presetSubtype="0" fill="hold" nodeType="clickEffect">
+                                  <p:stCondLst>
+                                    <p:cond delay="0"/>
+                                  </p:stCondLst>
+                                  <p:childTnLst>
+                                    <p:set>
+                                      <p:cBhvr>
+                                        <p:cTn id="6" dur="1" fill="hold">
+                                          <p:stCondLst>
+                                            <p:cond delay="0"/>
+                                          </p:stCondLst>
+                                        </p:cTn>
+                                        <p:tgtEl>
+                                          <p:spTgt spid="5"/>
+                                        </p:tgtEl>
+                                        <p:attrNameLst>
+                                          <p:attrName>style.visibility</p:attrName>
+                                        </p:attrNameLst>
+                                      </p:cBhvr>
+                                      <p:to>
+                                        <p:strVal val="hidden"/>
+                                      </p:to>
+                                    </p:set>
+                                  </p:childTnLst>
+                                </p:cTn>
+                              </p:par>
+                            </p:childTnLst>
+                          </p:cTn>
+                        </p:par>
+                      </p:childTnLst>
+                    </p:cTn>
+                  </p:par>
+                  <p:par>
+                    <p:cTn id="7" fill="hold">
+                      <p:stCondLst>
+                        <p:cond delay="indefinite"/>
+                      </p:stCondLst>
+                      <p:childTnLst>
+                        <p:par>
+                          <p:cTn id="8" fill="hold">
+                            <p:stCondLst>
+                              <p:cond delay="0"/>
+                            </p:stCondLst>
+                            <p:childTnLst>
+                              <p:par>
+                                <p:cTn id="9" presetID="1" presetClass="exit" presetSubtype="0" fill="hold" nodeType="clickEffect">
+                                  <p:stCondLst>
+                                    <p:cond delay="0"/>
+                                  </p:stCondLst>
+                                  <p:childTnLst>
+                                    <p:set>
+                                      <p:cBhvr>
+                                        <p:cTn id="10" dur="1" fill="hold">
+                                          <p:stCondLst>
+                                            <p:cond delay="0"/>
+                                          </p:stCondLst>
+                                        </p:cTn>
+                                        <p:tgtEl>
+                                          <p:spTgt spid="13"/>
+                                        </p:tgtEl>
+                                        <p:attrNameLst>
+                                          <p:attrName>style.visibility</p:attrName>
+                                        </p:attrNameLst>
+                                      </p:cBhvr>
+                                      <p:to>
+                                        <p:strVal val="hidden"/>
+                                      </p:to>
+                                    </p:set>
+                                  </p:childTnLst>
+                                </p:cTn>
+                              </p:par>
+                            </p:childTnLst>
+                          </p:cTn>
+                        </p:par>
+                      </p:childTnLst>
+                    </p:cTn>
+                  </p:par>
+                </p:childTnLst>
+              </p:cTn>
+              <p:prevCondLst>
+                <p:cond evt="onPrev" delay="0">
+                  <p:tgtEl>
+                    <p:sldTgt/>
+                  </p:tgtEl>
+                </p:cond>
+              </p:prevCondLst>
+              <p:nextCondLst>
+                <p:cond evt="onNext" delay="0">
+                  <p:tgtEl>
+                    <p:sldTgt/>
+                  </p:tgtEl>
+                </p:cond>
+              </p:nextCondLst>
+            </p:seq>
+          </p:childTnLst>
+        </p:cTn>
+      </p:par>
+    </p:tnLst>
+  </p:timing>
 </p:sld>
 </file>
 

--- a/baby-experiment/design/design_main.pptx
+++ b/baby-experiment/design/design_main.pptx
@@ -117,6 +117,11 @@
       </a:defRPr>
     </a:lvl9pPr>
   </p:defaultTextStyle>
+  <p:extLst>
+    <p:ext uri="{EFAFB233-063F-42B5-8137-9DF3F51BA10A}">
+      <p15:sldGuideLst xmlns:p15="http://schemas.microsoft.com/office/powerpoint/2012/main"/>
+    </p:ext>
+  </p:extLst>
 </p:presentation>
 </file>
 
@@ -267,7 +272,7 @@
           <a:p>
             <a:fld id="{E8F8EB17-2345-364F-A89F-72CDC5411C28}" type="datetimeFigureOut">
               <a:rPr lang="en-US" smtClean="0"/>
-              <a:t>2/3/21</a:t>
+              <a:t>2/8/21</a:t>
             </a:fld>
             <a:endParaRPr lang="en-US"/>
           </a:p>
@@ -465,7 +470,7 @@
           <a:p>
             <a:fld id="{E8F8EB17-2345-364F-A89F-72CDC5411C28}" type="datetimeFigureOut">
               <a:rPr lang="en-US" smtClean="0"/>
-              <a:t>2/3/21</a:t>
+              <a:t>2/8/21</a:t>
             </a:fld>
             <a:endParaRPr lang="en-US"/>
           </a:p>
@@ -673,7 +678,7 @@
           <a:p>
             <a:fld id="{E8F8EB17-2345-364F-A89F-72CDC5411C28}" type="datetimeFigureOut">
               <a:rPr lang="en-US" smtClean="0"/>
-              <a:t>2/3/21</a:t>
+              <a:t>2/8/21</a:t>
             </a:fld>
             <a:endParaRPr lang="en-US"/>
           </a:p>
@@ -871,7 +876,7 @@
           <a:p>
             <a:fld id="{E8F8EB17-2345-364F-A89F-72CDC5411C28}" type="datetimeFigureOut">
               <a:rPr lang="en-US" smtClean="0"/>
-              <a:t>2/3/21</a:t>
+              <a:t>2/8/21</a:t>
             </a:fld>
             <a:endParaRPr lang="en-US"/>
           </a:p>
@@ -1146,7 +1151,7 @@
           <a:p>
             <a:fld id="{E8F8EB17-2345-364F-A89F-72CDC5411C28}" type="datetimeFigureOut">
               <a:rPr lang="en-US" smtClean="0"/>
-              <a:t>2/3/21</a:t>
+              <a:t>2/8/21</a:t>
             </a:fld>
             <a:endParaRPr lang="en-US"/>
           </a:p>
@@ -1411,7 +1416,7 @@
           <a:p>
             <a:fld id="{E8F8EB17-2345-364F-A89F-72CDC5411C28}" type="datetimeFigureOut">
               <a:rPr lang="en-US" smtClean="0"/>
-              <a:t>2/3/21</a:t>
+              <a:t>2/8/21</a:t>
             </a:fld>
             <a:endParaRPr lang="en-US"/>
           </a:p>
@@ -1823,7 +1828,7 @@
           <a:p>
             <a:fld id="{E8F8EB17-2345-364F-A89F-72CDC5411C28}" type="datetimeFigureOut">
               <a:rPr lang="en-US" smtClean="0"/>
-              <a:t>2/3/21</a:t>
+              <a:t>2/8/21</a:t>
             </a:fld>
             <a:endParaRPr lang="en-US"/>
           </a:p>
@@ -1964,7 +1969,7 @@
           <a:p>
             <a:fld id="{E8F8EB17-2345-364F-A89F-72CDC5411C28}" type="datetimeFigureOut">
               <a:rPr lang="en-US" smtClean="0"/>
-              <a:t>2/3/21</a:t>
+              <a:t>2/8/21</a:t>
             </a:fld>
             <a:endParaRPr lang="en-US"/>
           </a:p>
@@ -2077,7 +2082,7 @@
           <a:p>
             <a:fld id="{E8F8EB17-2345-364F-A89F-72CDC5411C28}" type="datetimeFigureOut">
               <a:rPr lang="en-US" smtClean="0"/>
-              <a:t>2/3/21</a:t>
+              <a:t>2/8/21</a:t>
             </a:fld>
             <a:endParaRPr lang="en-US"/>
           </a:p>
@@ -2388,7 +2393,7 @@
           <a:p>
             <a:fld id="{E8F8EB17-2345-364F-A89F-72CDC5411C28}" type="datetimeFigureOut">
               <a:rPr lang="en-US" smtClean="0"/>
-              <a:t>2/3/21</a:t>
+              <a:t>2/8/21</a:t>
             </a:fld>
             <a:endParaRPr lang="en-US"/>
           </a:p>
@@ -2676,7 +2681,7 @@
           <a:p>
             <a:fld id="{E8F8EB17-2345-364F-A89F-72CDC5411C28}" type="datetimeFigureOut">
               <a:rPr lang="en-US" smtClean="0"/>
-              <a:t>2/3/21</a:t>
+              <a:t>2/8/21</a:t>
             </a:fld>
             <a:endParaRPr lang="en-US"/>
           </a:p>
@@ -2917,7 +2922,7 @@
           <a:p>
             <a:fld id="{E8F8EB17-2345-364F-A89F-72CDC5411C28}" type="datetimeFigureOut">
               <a:rPr lang="en-US" smtClean="0"/>
-              <a:t>2/3/21</a:t>
+              <a:t>2/8/21</a:t>
             </a:fld>
             <a:endParaRPr lang="en-US"/>
           </a:p>
@@ -9081,7 +9086,7 @@
           <p:nvPr/>
         </p:nvPicPr>
         <p:blipFill rotWithShape="1">
-          <a:blip r:embed="rId2"/>
+          <a:blip r:embed="rId3"/>
           <a:srcRect l="4697" t="20140" r="4719" b="19957"/>
           <a:stretch/>
         </p:blipFill>
@@ -9110,7 +9115,7 @@
           <p:nvPr/>
         </p:nvPicPr>
         <p:blipFill>
-          <a:blip r:embed="rId3"/>
+          <a:blip r:embed="rId4"/>
           <a:stretch>
             <a:fillRect/>
           </a:stretch>
@@ -9140,7 +9145,7 @@
           <p:nvPr/>
         </p:nvPicPr>
         <p:blipFill rotWithShape="1">
-          <a:blip r:embed="rId2">
+          <a:blip r:embed="rId3">
             <a:duotone>
               <a:schemeClr val="accent4">
                 <a:shade val="45000"/>
@@ -9177,7 +9182,7 @@
           <p:nvPr/>
         </p:nvPicPr>
         <p:blipFill rotWithShape="1">
-          <a:blip r:embed="rId2"/>
+          <a:blip r:embed="rId3"/>
           <a:srcRect l="4697" t="20140" r="4719" b="19957"/>
           <a:stretch/>
         </p:blipFill>
@@ -9246,6 +9251,29 @@
                                       </p:to>
                                     </p:set>
                                   </p:childTnLst>
+                                  <p:subTnLst>
+                                    <p:audio>
+                                      <p:cMediaNode>
+                                        <p:cTn display="0" masterRel="sameClick">
+                                          <p:stCondLst>
+                                            <p:cond evt="begin" delay="0">
+                                              <p:tn val="5"/>
+                                            </p:cond>
+                                          </p:stCondLst>
+                                          <p:endCondLst>
+                                            <p:cond evt="onStopAudio" delay="0">
+                                              <p:tgtEl>
+                                                <p:sldTgt/>
+                                              </p:tgtEl>
+                                            </p:cond>
+                                          </p:endCondLst>
+                                        </p:cTn>
+                                        <p:tgtEl>
+                                          <p:sndTgt r:embed="rId2" name="chimes.wav"/>
+                                        </p:tgtEl>
+                                      </p:cMediaNode>
+                                    </p:audio>
+                                  </p:subTnLst>
                                 </p:cTn>
                               </p:par>
                             </p:childTnLst>

--- a/baby-experiment/design/design_main.pptx
+++ b/baby-experiment/design/design_main.pptx
@@ -272,7 +272,7 @@
           <a:p>
             <a:fld id="{E8F8EB17-2345-364F-A89F-72CDC5411C28}" type="datetimeFigureOut">
               <a:rPr lang="en-US" smtClean="0"/>
-              <a:t>2/8/21</a:t>
+              <a:t>4/19/21</a:t>
             </a:fld>
             <a:endParaRPr lang="en-US"/>
           </a:p>
@@ -470,7 +470,7 @@
           <a:p>
             <a:fld id="{E8F8EB17-2345-364F-A89F-72CDC5411C28}" type="datetimeFigureOut">
               <a:rPr lang="en-US" smtClean="0"/>
-              <a:t>2/8/21</a:t>
+              <a:t>4/19/21</a:t>
             </a:fld>
             <a:endParaRPr lang="en-US"/>
           </a:p>
@@ -678,7 +678,7 @@
           <a:p>
             <a:fld id="{E8F8EB17-2345-364F-A89F-72CDC5411C28}" type="datetimeFigureOut">
               <a:rPr lang="en-US" smtClean="0"/>
-              <a:t>2/8/21</a:t>
+              <a:t>4/19/21</a:t>
             </a:fld>
             <a:endParaRPr lang="en-US"/>
           </a:p>
@@ -876,7 +876,7 @@
           <a:p>
             <a:fld id="{E8F8EB17-2345-364F-A89F-72CDC5411C28}" type="datetimeFigureOut">
               <a:rPr lang="en-US" smtClean="0"/>
-              <a:t>2/8/21</a:t>
+              <a:t>4/19/21</a:t>
             </a:fld>
             <a:endParaRPr lang="en-US"/>
           </a:p>
@@ -1151,7 +1151,7 @@
           <a:p>
             <a:fld id="{E8F8EB17-2345-364F-A89F-72CDC5411C28}" type="datetimeFigureOut">
               <a:rPr lang="en-US" smtClean="0"/>
-              <a:t>2/8/21</a:t>
+              <a:t>4/19/21</a:t>
             </a:fld>
             <a:endParaRPr lang="en-US"/>
           </a:p>
@@ -1416,7 +1416,7 @@
           <a:p>
             <a:fld id="{E8F8EB17-2345-364F-A89F-72CDC5411C28}" type="datetimeFigureOut">
               <a:rPr lang="en-US" smtClean="0"/>
-              <a:t>2/8/21</a:t>
+              <a:t>4/19/21</a:t>
             </a:fld>
             <a:endParaRPr lang="en-US"/>
           </a:p>
@@ -1828,7 +1828,7 @@
           <a:p>
             <a:fld id="{E8F8EB17-2345-364F-A89F-72CDC5411C28}" type="datetimeFigureOut">
               <a:rPr lang="en-US" smtClean="0"/>
-              <a:t>2/8/21</a:t>
+              <a:t>4/19/21</a:t>
             </a:fld>
             <a:endParaRPr lang="en-US"/>
           </a:p>
@@ -1969,7 +1969,7 @@
           <a:p>
             <a:fld id="{E8F8EB17-2345-364F-A89F-72CDC5411C28}" type="datetimeFigureOut">
               <a:rPr lang="en-US" smtClean="0"/>
-              <a:t>2/8/21</a:t>
+              <a:t>4/19/21</a:t>
             </a:fld>
             <a:endParaRPr lang="en-US"/>
           </a:p>
@@ -2082,7 +2082,7 @@
           <a:p>
             <a:fld id="{E8F8EB17-2345-364F-A89F-72CDC5411C28}" type="datetimeFigureOut">
               <a:rPr lang="en-US" smtClean="0"/>
-              <a:t>2/8/21</a:t>
+              <a:t>4/19/21</a:t>
             </a:fld>
             <a:endParaRPr lang="en-US"/>
           </a:p>
@@ -2393,7 +2393,7 @@
           <a:p>
             <a:fld id="{E8F8EB17-2345-364F-A89F-72CDC5411C28}" type="datetimeFigureOut">
               <a:rPr lang="en-US" smtClean="0"/>
-              <a:t>2/8/21</a:t>
+              <a:t>4/19/21</a:t>
             </a:fld>
             <a:endParaRPr lang="en-US"/>
           </a:p>
@@ -2681,7 +2681,7 @@
           <a:p>
             <a:fld id="{E8F8EB17-2345-364F-A89F-72CDC5411C28}" type="datetimeFigureOut">
               <a:rPr lang="en-US" smtClean="0"/>
-              <a:t>2/8/21</a:t>
+              <a:t>4/19/21</a:t>
             </a:fld>
             <a:endParaRPr lang="en-US"/>
           </a:p>
@@ -2922,7 +2922,7 @@
           <a:p>
             <a:fld id="{E8F8EB17-2345-364F-A89F-72CDC5411C28}" type="datetimeFigureOut">
               <a:rPr lang="en-US" smtClean="0"/>
-              <a:t>2/8/21</a:t>
+              <a:t>4/19/21</a:t>
             </a:fld>
             <a:endParaRPr lang="en-US"/>
           </a:p>
@@ -4951,7 +4951,7 @@
           <a:p>
             <a:r>
               <a:rPr lang="en-US" dirty="0"/>
-              <a:t>standard</a:t>
+              <a:t>background</a:t>
             </a:r>
           </a:p>
         </p:txBody>

--- a/baby-experiment/design/design_main.pptx
+++ b/baby-experiment/design/design_main.pptx
@@ -5041,7 +5041,7 @@
         <p:spPr>
           <a:xfrm>
             <a:off x="9239503" y="6179255"/>
-            <a:ext cx="2268810" cy="369332"/>
+            <a:ext cx="996760" cy="369332"/>
           </a:xfrm>
           <a:prstGeom prst="rect">
             <a:avLst/>

--- a/baby-experiment/design/design_main.pptx
+++ b/baby-experiment/design/design_main.pptx
@@ -272,7 +272,7 @@
           <a:p>
             <a:fld id="{E8F8EB17-2345-364F-A89F-72CDC5411C28}" type="datetimeFigureOut">
               <a:rPr lang="en-US" smtClean="0"/>
-              <a:t>4/19/21</a:t>
+              <a:t>6/28/21</a:t>
             </a:fld>
             <a:endParaRPr lang="en-US"/>
           </a:p>
@@ -470,7 +470,7 @@
           <a:p>
             <a:fld id="{E8F8EB17-2345-364F-A89F-72CDC5411C28}" type="datetimeFigureOut">
               <a:rPr lang="en-US" smtClean="0"/>
-              <a:t>4/19/21</a:t>
+              <a:t>6/28/21</a:t>
             </a:fld>
             <a:endParaRPr lang="en-US"/>
           </a:p>
@@ -678,7 +678,7 @@
           <a:p>
             <a:fld id="{E8F8EB17-2345-364F-A89F-72CDC5411C28}" type="datetimeFigureOut">
               <a:rPr lang="en-US" smtClean="0"/>
-              <a:t>4/19/21</a:t>
+              <a:t>6/28/21</a:t>
             </a:fld>
             <a:endParaRPr lang="en-US"/>
           </a:p>
@@ -876,7 +876,7 @@
           <a:p>
             <a:fld id="{E8F8EB17-2345-364F-A89F-72CDC5411C28}" type="datetimeFigureOut">
               <a:rPr lang="en-US" smtClean="0"/>
-              <a:t>4/19/21</a:t>
+              <a:t>6/28/21</a:t>
             </a:fld>
             <a:endParaRPr lang="en-US"/>
           </a:p>
@@ -1151,7 +1151,7 @@
           <a:p>
             <a:fld id="{E8F8EB17-2345-364F-A89F-72CDC5411C28}" type="datetimeFigureOut">
               <a:rPr lang="en-US" smtClean="0"/>
-              <a:t>4/19/21</a:t>
+              <a:t>6/28/21</a:t>
             </a:fld>
             <a:endParaRPr lang="en-US"/>
           </a:p>
@@ -1416,7 +1416,7 @@
           <a:p>
             <a:fld id="{E8F8EB17-2345-364F-A89F-72CDC5411C28}" type="datetimeFigureOut">
               <a:rPr lang="en-US" smtClean="0"/>
-              <a:t>4/19/21</a:t>
+              <a:t>6/28/21</a:t>
             </a:fld>
             <a:endParaRPr lang="en-US"/>
           </a:p>
@@ -1828,7 +1828,7 @@
           <a:p>
             <a:fld id="{E8F8EB17-2345-364F-A89F-72CDC5411C28}" type="datetimeFigureOut">
               <a:rPr lang="en-US" smtClean="0"/>
-              <a:t>4/19/21</a:t>
+              <a:t>6/28/21</a:t>
             </a:fld>
             <a:endParaRPr lang="en-US"/>
           </a:p>
@@ -1969,7 +1969,7 @@
           <a:p>
             <a:fld id="{E8F8EB17-2345-364F-A89F-72CDC5411C28}" type="datetimeFigureOut">
               <a:rPr lang="en-US" smtClean="0"/>
-              <a:t>4/19/21</a:t>
+              <a:t>6/28/21</a:t>
             </a:fld>
             <a:endParaRPr lang="en-US"/>
           </a:p>
@@ -2082,7 +2082,7 @@
           <a:p>
             <a:fld id="{E8F8EB17-2345-364F-A89F-72CDC5411C28}" type="datetimeFigureOut">
               <a:rPr lang="en-US" smtClean="0"/>
-              <a:t>4/19/21</a:t>
+              <a:t>6/28/21</a:t>
             </a:fld>
             <a:endParaRPr lang="en-US"/>
           </a:p>
@@ -2393,7 +2393,7 @@
           <a:p>
             <a:fld id="{E8F8EB17-2345-364F-A89F-72CDC5411C28}" type="datetimeFigureOut">
               <a:rPr lang="en-US" smtClean="0"/>
-              <a:t>4/19/21</a:t>
+              <a:t>6/28/21</a:t>
             </a:fld>
             <a:endParaRPr lang="en-US"/>
           </a:p>
@@ -2681,7 +2681,7 @@
           <a:p>
             <a:fld id="{E8F8EB17-2345-364F-A89F-72CDC5411C28}" type="datetimeFigureOut">
               <a:rPr lang="en-US" smtClean="0"/>
-              <a:t>4/19/21</a:t>
+              <a:t>6/28/21</a:t>
             </a:fld>
             <a:endParaRPr lang="en-US"/>
           </a:p>
@@ -2922,7 +2922,7 @@
           <a:p>
             <a:fld id="{E8F8EB17-2345-364F-A89F-72CDC5411C28}" type="datetimeFigureOut">
               <a:rPr lang="en-US" smtClean="0"/>
-              <a:t>4/19/21</a:t>
+              <a:t>6/28/21</a:t>
             </a:fld>
             <a:endParaRPr lang="en-US"/>
           </a:p>
@@ -3339,96 +3339,6 @@
           <a:chExt cx="0" cy="0"/>
         </a:xfrm>
       </p:grpSpPr>
-      <p:pic>
-        <p:nvPicPr>
-          <p:cNvPr id="25" name="Picture 24">
-            <a:extLst>
-              <a:ext uri="{FF2B5EF4-FFF2-40B4-BE49-F238E27FC236}">
-                <a16:creationId xmlns:a16="http://schemas.microsoft.com/office/drawing/2014/main" id="{C9D20799-4205-4840-BC39-94E5E885416C}"/>
-              </a:ext>
-            </a:extLst>
-          </p:cNvPr>
-          <p:cNvPicPr>
-            <a:picLocks noChangeAspect="1"/>
-          </p:cNvPicPr>
-          <p:nvPr/>
-        </p:nvPicPr>
-        <p:blipFill>
-          <a:blip r:embed="rId2"/>
-          <a:stretch>
-            <a:fillRect/>
-          </a:stretch>
-        </p:blipFill>
-        <p:spPr>
-          <a:xfrm>
-            <a:off x="1572120" y="1446692"/>
-            <a:ext cx="999540" cy="999540"/>
-          </a:xfrm>
-          <a:prstGeom prst="rect">
-            <a:avLst/>
-          </a:prstGeom>
-        </p:spPr>
-      </p:pic>
-      <p:pic>
-        <p:nvPicPr>
-          <p:cNvPr id="76" name="Picture 75" descr="A picture containing dark&#10;&#10;Description automatically generated">
-            <a:extLst>
-              <a:ext uri="{FF2B5EF4-FFF2-40B4-BE49-F238E27FC236}">
-                <a16:creationId xmlns:a16="http://schemas.microsoft.com/office/drawing/2014/main" id="{5B67F1CF-32A4-A446-B745-8E0487FDCBEE}"/>
-              </a:ext>
-            </a:extLst>
-          </p:cNvPr>
-          <p:cNvPicPr>
-            <a:picLocks noChangeAspect="1"/>
-          </p:cNvPicPr>
-          <p:nvPr/>
-        </p:nvPicPr>
-        <p:blipFill>
-          <a:blip r:embed="rId3"/>
-          <a:stretch>
-            <a:fillRect/>
-          </a:stretch>
-        </p:blipFill>
-        <p:spPr>
-          <a:xfrm>
-            <a:off x="1572120" y="3211722"/>
-            <a:ext cx="1064821" cy="1064821"/>
-          </a:xfrm>
-          <a:prstGeom prst="rect">
-            <a:avLst/>
-          </a:prstGeom>
-        </p:spPr>
-      </p:pic>
-      <p:pic>
-        <p:nvPicPr>
-          <p:cNvPr id="86" name="Picture 85" descr="A picture containing gear&#10;&#10;Description automatically generated">
-            <a:extLst>
-              <a:ext uri="{FF2B5EF4-FFF2-40B4-BE49-F238E27FC236}">
-                <a16:creationId xmlns:a16="http://schemas.microsoft.com/office/drawing/2014/main" id="{3D731E15-59C1-2D46-BD68-CB02E29B4643}"/>
-              </a:ext>
-            </a:extLst>
-          </p:cNvPr>
-          <p:cNvPicPr>
-            <a:picLocks noChangeAspect="1"/>
-          </p:cNvPicPr>
-          <p:nvPr/>
-        </p:nvPicPr>
-        <p:blipFill>
-          <a:blip r:embed="rId4"/>
-          <a:stretch>
-            <a:fillRect/>
-          </a:stretch>
-        </p:blipFill>
-        <p:spPr>
-          <a:xfrm>
-            <a:off x="1637400" y="5330195"/>
-            <a:ext cx="999541" cy="999541"/>
-          </a:xfrm>
-          <a:prstGeom prst="rect">
-            <a:avLst/>
-          </a:prstGeom>
-        </p:spPr>
-      </p:pic>
       <p:cxnSp>
         <p:nvCxnSpPr>
           <p:cNvPr id="18" name="Straight Arrow Connector 17">
@@ -3520,36 +3430,6 @@
           </a:fontRef>
         </p:style>
       </p:cxnSp>
-      <p:pic>
-        <p:nvPicPr>
-          <p:cNvPr id="23" name="Picture 22">
-            <a:extLst>
-              <a:ext uri="{FF2B5EF4-FFF2-40B4-BE49-F238E27FC236}">
-                <a16:creationId xmlns:a16="http://schemas.microsoft.com/office/drawing/2014/main" id="{ECFE9FDD-4E91-9A4E-A422-527662E13F6C}"/>
-              </a:ext>
-            </a:extLst>
-          </p:cNvPr>
-          <p:cNvPicPr>
-            <a:picLocks noChangeAspect="1"/>
-          </p:cNvPicPr>
-          <p:nvPr/>
-        </p:nvPicPr>
-        <p:blipFill>
-          <a:blip r:embed="rId2"/>
-          <a:stretch>
-            <a:fillRect/>
-          </a:stretch>
-        </p:blipFill>
-        <p:spPr>
-          <a:xfrm>
-            <a:off x="7921985" y="747048"/>
-            <a:ext cx="999540" cy="999540"/>
-          </a:xfrm>
-          <a:prstGeom prst="rect">
-            <a:avLst/>
-          </a:prstGeom>
-        </p:spPr>
-      </p:pic>
       <p:cxnSp>
         <p:nvCxnSpPr>
           <p:cNvPr id="34" name="Straight Arrow Connector 33">
@@ -3732,156 +3612,6 @@
           </a:fontRef>
         </p:style>
       </p:cxnSp>
-      <p:pic>
-        <p:nvPicPr>
-          <p:cNvPr id="38" name="Picture 37" descr="A picture containing dark&#10;&#10;Description automatically generated">
-            <a:extLst>
-              <a:ext uri="{FF2B5EF4-FFF2-40B4-BE49-F238E27FC236}">
-                <a16:creationId xmlns:a16="http://schemas.microsoft.com/office/drawing/2014/main" id="{499FBFAE-DD2A-A140-AE75-1D4D0B4C4AF0}"/>
-              </a:ext>
-            </a:extLst>
-          </p:cNvPr>
-          <p:cNvPicPr>
-            <a:picLocks noChangeAspect="1"/>
-          </p:cNvPicPr>
-          <p:nvPr/>
-        </p:nvPicPr>
-        <p:blipFill>
-          <a:blip r:embed="rId3"/>
-          <a:stretch>
-            <a:fillRect/>
-          </a:stretch>
-        </p:blipFill>
-        <p:spPr>
-          <a:xfrm>
-            <a:off x="9288190" y="2473427"/>
-            <a:ext cx="1064821" cy="1064821"/>
-          </a:xfrm>
-          <a:prstGeom prst="rect">
-            <a:avLst/>
-          </a:prstGeom>
-        </p:spPr>
-      </p:pic>
-      <p:pic>
-        <p:nvPicPr>
-          <p:cNvPr id="10" name="Picture 9">
-            <a:extLst>
-              <a:ext uri="{FF2B5EF4-FFF2-40B4-BE49-F238E27FC236}">
-                <a16:creationId xmlns:a16="http://schemas.microsoft.com/office/drawing/2014/main" id="{7047C8B5-887A-8C4B-A346-7BC66416D459}"/>
-              </a:ext>
-            </a:extLst>
-          </p:cNvPr>
-          <p:cNvPicPr>
-            <a:picLocks noChangeAspect="1"/>
-          </p:cNvPicPr>
-          <p:nvPr/>
-        </p:nvPicPr>
-        <p:blipFill>
-          <a:blip r:embed="rId5"/>
-          <a:stretch>
-            <a:fillRect/>
-          </a:stretch>
-        </p:blipFill>
-        <p:spPr>
-          <a:xfrm>
-            <a:off x="9412901" y="3757324"/>
-            <a:ext cx="1064821" cy="1064821"/>
-          </a:xfrm>
-          <a:prstGeom prst="rect">
-            <a:avLst/>
-          </a:prstGeom>
-        </p:spPr>
-      </p:pic>
-      <p:pic>
-        <p:nvPicPr>
-          <p:cNvPr id="40" name="Picture 39" descr="A picture containing gear&#10;&#10;Description automatically generated">
-            <a:extLst>
-              <a:ext uri="{FF2B5EF4-FFF2-40B4-BE49-F238E27FC236}">
-                <a16:creationId xmlns:a16="http://schemas.microsoft.com/office/drawing/2014/main" id="{89BC4817-77BD-C24F-B00D-F09A6DE7CEEE}"/>
-              </a:ext>
-            </a:extLst>
-          </p:cNvPr>
-          <p:cNvPicPr>
-            <a:picLocks noChangeAspect="1"/>
-          </p:cNvPicPr>
-          <p:nvPr/>
-        </p:nvPicPr>
-        <p:blipFill>
-          <a:blip r:embed="rId4"/>
-          <a:stretch>
-            <a:fillRect/>
-          </a:stretch>
-        </p:blipFill>
-        <p:spPr>
-          <a:xfrm>
-            <a:off x="10896719" y="4526995"/>
-            <a:ext cx="999541" cy="999541"/>
-          </a:xfrm>
-          <a:prstGeom prst="rect">
-            <a:avLst/>
-          </a:prstGeom>
-        </p:spPr>
-      </p:pic>
-      <p:pic>
-        <p:nvPicPr>
-          <p:cNvPr id="14" name="Picture 13" descr="A picture containing mask&#10;&#10;Description automatically generated">
-            <a:extLst>
-              <a:ext uri="{FF2B5EF4-FFF2-40B4-BE49-F238E27FC236}">
-                <a16:creationId xmlns:a16="http://schemas.microsoft.com/office/drawing/2014/main" id="{6C27320E-B22A-DB41-9056-A6B4E71BC149}"/>
-              </a:ext>
-            </a:extLst>
-          </p:cNvPr>
-          <p:cNvPicPr>
-            <a:picLocks noChangeAspect="1"/>
-          </p:cNvPicPr>
-          <p:nvPr/>
-        </p:nvPicPr>
-        <p:blipFill>
-          <a:blip r:embed="rId6"/>
-          <a:stretch>
-            <a:fillRect/>
-          </a:stretch>
-        </p:blipFill>
-        <p:spPr>
-          <a:xfrm>
-            <a:off x="10865764" y="5947102"/>
-            <a:ext cx="952500" cy="952500"/>
-          </a:xfrm>
-          <a:prstGeom prst="rect">
-            <a:avLst/>
-          </a:prstGeom>
-        </p:spPr>
-      </p:pic>
-      <p:pic>
-        <p:nvPicPr>
-          <p:cNvPr id="19" name="Picture 18">
-            <a:extLst>
-              <a:ext uri="{FF2B5EF4-FFF2-40B4-BE49-F238E27FC236}">
-                <a16:creationId xmlns:a16="http://schemas.microsoft.com/office/drawing/2014/main" id="{E5F62F66-114B-9E4A-B746-8DA5082DA543}"/>
-              </a:ext>
-            </a:extLst>
-          </p:cNvPr>
-          <p:cNvPicPr>
-            <a:picLocks noChangeAspect="1"/>
-          </p:cNvPicPr>
-          <p:nvPr/>
-        </p:nvPicPr>
-        <p:blipFill>
-          <a:blip r:embed="rId7"/>
-          <a:stretch>
-            <a:fillRect/>
-          </a:stretch>
-        </p:blipFill>
-        <p:spPr>
-          <a:xfrm>
-            <a:off x="7945505" y="2053337"/>
-            <a:ext cx="952500" cy="952500"/>
-          </a:xfrm>
-          <a:prstGeom prst="rect">
-            <a:avLst/>
-          </a:prstGeom>
-        </p:spPr>
-      </p:pic>
       <p:sp>
         <p:nvSpPr>
           <p:cNvPr id="57" name="TextBox 56">
@@ -4935,7 +4665,7 @@
         </p:nvSpPr>
         <p:spPr>
           <a:xfrm>
-            <a:off x="6206509" y="997955"/>
+            <a:off x="5954652" y="986021"/>
             <a:ext cx="2268810" cy="369332"/>
           </a:xfrm>
           <a:prstGeom prst="rect">
@@ -5005,7 +4735,7 @@
         </p:nvSpPr>
         <p:spPr>
           <a:xfrm>
-            <a:off x="7682478" y="2901924"/>
+            <a:off x="7455833" y="2888830"/>
             <a:ext cx="2268810" cy="369332"/>
           </a:xfrm>
           <a:prstGeom prst="rect">
@@ -5021,7 +4751,7 @@
           <a:p>
             <a:r>
               <a:rPr lang="en-US" dirty="0"/>
-              <a:t>standard</a:t>
+              <a:t>background</a:t>
             </a:r>
           </a:p>
         </p:txBody>
@@ -5075,7 +4805,7 @@
         </p:nvSpPr>
         <p:spPr>
           <a:xfrm>
-            <a:off x="9050353" y="5013088"/>
+            <a:off x="8661794" y="5000787"/>
             <a:ext cx="2268810" cy="369332"/>
           </a:xfrm>
           <a:prstGeom prst="rect">
@@ -5091,7 +4821,7 @@
           <a:p>
             <a:r>
               <a:rPr lang="en-US" dirty="0"/>
-              <a:t>standard</a:t>
+              <a:t>background</a:t>
             </a:r>
           </a:p>
         </p:txBody>
@@ -5399,6 +5129,276 @@
           </a:p>
         </p:txBody>
       </p:sp>
+      <p:pic>
+        <p:nvPicPr>
+          <p:cNvPr id="8" name="Picture 7" descr="A pink object on a black background&#10;&#10;Description automatically generated with low confidence">
+            <a:extLst>
+              <a:ext uri="{FF2B5EF4-FFF2-40B4-BE49-F238E27FC236}">
+                <a16:creationId xmlns:a16="http://schemas.microsoft.com/office/drawing/2014/main" id="{C63366E9-402C-DC42-A065-6C806070CB36}"/>
+              </a:ext>
+            </a:extLst>
+          </p:cNvPr>
+          <p:cNvPicPr>
+            <a:picLocks noChangeAspect="1"/>
+          </p:cNvPicPr>
+          <p:nvPr/>
+        </p:nvPicPr>
+        <p:blipFill>
+          <a:blip r:embed="rId2"/>
+          <a:stretch>
+            <a:fillRect/>
+          </a:stretch>
+        </p:blipFill>
+        <p:spPr>
+          <a:xfrm>
+            <a:off x="7865637" y="1929736"/>
+            <a:ext cx="1096640" cy="1096640"/>
+          </a:xfrm>
+          <a:prstGeom prst="rect">
+            <a:avLst/>
+          </a:prstGeom>
+        </p:spPr>
+      </p:pic>
+      <p:pic>
+        <p:nvPicPr>
+          <p:cNvPr id="11" name="Picture 10" descr="A yellow circle on a black background&#10;&#10;Description automatically generated with medium confidence">
+            <a:extLst>
+              <a:ext uri="{FF2B5EF4-FFF2-40B4-BE49-F238E27FC236}">
+                <a16:creationId xmlns:a16="http://schemas.microsoft.com/office/drawing/2014/main" id="{C1E8F9A7-B177-6240-A9CA-511E0BBC92FA}"/>
+              </a:ext>
+            </a:extLst>
+          </p:cNvPr>
+          <p:cNvPicPr>
+            <a:picLocks noChangeAspect="1"/>
+          </p:cNvPicPr>
+          <p:nvPr/>
+        </p:nvPicPr>
+        <p:blipFill>
+          <a:blip r:embed="rId3"/>
+          <a:stretch>
+            <a:fillRect/>
+          </a:stretch>
+        </p:blipFill>
+        <p:spPr>
+          <a:xfrm>
+            <a:off x="1426554" y="1264197"/>
+            <a:ext cx="1322588" cy="1322588"/>
+          </a:xfrm>
+          <a:prstGeom prst="rect">
+            <a:avLst/>
+          </a:prstGeom>
+        </p:spPr>
+      </p:pic>
+      <p:pic>
+        <p:nvPicPr>
+          <p:cNvPr id="63" name="Picture 62" descr="A yellow circle on a black background&#10;&#10;Description automatically generated with medium confidence">
+            <a:extLst>
+              <a:ext uri="{FF2B5EF4-FFF2-40B4-BE49-F238E27FC236}">
+                <a16:creationId xmlns:a16="http://schemas.microsoft.com/office/drawing/2014/main" id="{316DE685-5997-B748-AD59-1E2128D53CC7}"/>
+              </a:ext>
+            </a:extLst>
+          </p:cNvPr>
+          <p:cNvPicPr>
+            <a:picLocks noChangeAspect="1"/>
+          </p:cNvPicPr>
+          <p:nvPr/>
+        </p:nvPicPr>
+        <p:blipFill>
+          <a:blip r:embed="rId3"/>
+          <a:stretch>
+            <a:fillRect/>
+          </a:stretch>
+        </p:blipFill>
+        <p:spPr>
+          <a:xfrm>
+            <a:off x="7785767" y="444903"/>
+            <a:ext cx="1322588" cy="1322588"/>
+          </a:xfrm>
+          <a:prstGeom prst="rect">
+            <a:avLst/>
+          </a:prstGeom>
+        </p:spPr>
+      </p:pic>
+      <p:pic>
+        <p:nvPicPr>
+          <p:cNvPr id="16" name="Picture 15" descr="A picture containing silhouette, night sky&#10;&#10;Description automatically generated">
+            <a:extLst>
+              <a:ext uri="{FF2B5EF4-FFF2-40B4-BE49-F238E27FC236}">
+                <a16:creationId xmlns:a16="http://schemas.microsoft.com/office/drawing/2014/main" id="{1BA8D24F-FD10-604E-8F61-D47366E3F28F}"/>
+              </a:ext>
+            </a:extLst>
+          </p:cNvPr>
+          <p:cNvPicPr>
+            <a:picLocks noChangeAspect="1"/>
+          </p:cNvPicPr>
+          <p:nvPr/>
+        </p:nvPicPr>
+        <p:blipFill>
+          <a:blip r:embed="rId4"/>
+          <a:stretch>
+            <a:fillRect/>
+          </a:stretch>
+        </p:blipFill>
+        <p:spPr>
+          <a:xfrm>
+            <a:off x="1080177" y="2835193"/>
+            <a:ext cx="1905000" cy="1905000"/>
+          </a:xfrm>
+          <a:prstGeom prst="rect">
+            <a:avLst/>
+          </a:prstGeom>
+        </p:spPr>
+      </p:pic>
+      <p:pic>
+        <p:nvPicPr>
+          <p:cNvPr id="21" name="Picture 20">
+            <a:extLst>
+              <a:ext uri="{FF2B5EF4-FFF2-40B4-BE49-F238E27FC236}">
+                <a16:creationId xmlns:a16="http://schemas.microsoft.com/office/drawing/2014/main" id="{F0E8AAFB-FBB1-A04A-ACD3-9A26A9BFC0F3}"/>
+              </a:ext>
+            </a:extLst>
+          </p:cNvPr>
+          <p:cNvPicPr>
+            <a:picLocks noChangeAspect="1"/>
+          </p:cNvPicPr>
+          <p:nvPr/>
+        </p:nvPicPr>
+        <p:blipFill>
+          <a:blip r:embed="rId5"/>
+          <a:stretch>
+            <a:fillRect/>
+          </a:stretch>
+        </p:blipFill>
+        <p:spPr>
+          <a:xfrm>
+            <a:off x="9274696" y="3574823"/>
+            <a:ext cx="1502835" cy="1502835"/>
+          </a:xfrm>
+          <a:prstGeom prst="rect">
+            <a:avLst/>
+          </a:prstGeom>
+        </p:spPr>
+      </p:pic>
+      <p:pic>
+        <p:nvPicPr>
+          <p:cNvPr id="64" name="Picture 63" descr="A picture containing silhouette, night sky&#10;&#10;Description automatically generated">
+            <a:extLst>
+              <a:ext uri="{FF2B5EF4-FFF2-40B4-BE49-F238E27FC236}">
+                <a16:creationId xmlns:a16="http://schemas.microsoft.com/office/drawing/2014/main" id="{0A5C01CE-F599-D147-B5A4-F009A6471BF0}"/>
+              </a:ext>
+            </a:extLst>
+          </p:cNvPr>
+          <p:cNvPicPr>
+            <a:picLocks noChangeAspect="1"/>
+          </p:cNvPicPr>
+          <p:nvPr/>
+        </p:nvPicPr>
+        <p:blipFill>
+          <a:blip r:embed="rId4"/>
+          <a:stretch>
+            <a:fillRect/>
+          </a:stretch>
+        </p:blipFill>
+        <p:spPr>
+          <a:xfrm>
+            <a:off x="9131604" y="2086739"/>
+            <a:ext cx="1645927" cy="1645927"/>
+          </a:xfrm>
+          <a:prstGeom prst="rect">
+            <a:avLst/>
+          </a:prstGeom>
+        </p:spPr>
+      </p:pic>
+      <p:pic>
+        <p:nvPicPr>
+          <p:cNvPr id="45" name="Picture 44" descr="A yellow object on a black background&#10;&#10;Description automatically generated with medium confidence">
+            <a:extLst>
+              <a:ext uri="{FF2B5EF4-FFF2-40B4-BE49-F238E27FC236}">
+                <a16:creationId xmlns:a16="http://schemas.microsoft.com/office/drawing/2014/main" id="{6D21832C-8D3D-9E41-847E-1E267CD265AB}"/>
+              </a:ext>
+            </a:extLst>
+          </p:cNvPr>
+          <p:cNvPicPr>
+            <a:picLocks noChangeAspect="1"/>
+          </p:cNvPicPr>
+          <p:nvPr/>
+        </p:nvPicPr>
+        <p:blipFill>
+          <a:blip r:embed="rId6"/>
+          <a:stretch>
+            <a:fillRect/>
+          </a:stretch>
+        </p:blipFill>
+        <p:spPr>
+          <a:xfrm>
+            <a:off x="1137175" y="4907219"/>
+            <a:ext cx="1905000" cy="1905000"/>
+          </a:xfrm>
+          <a:prstGeom prst="rect">
+            <a:avLst/>
+          </a:prstGeom>
+        </p:spPr>
+      </p:pic>
+      <p:pic>
+        <p:nvPicPr>
+          <p:cNvPr id="54" name="Picture 53" descr="A picture containing silhouette, dark, night sky&#10;&#10;Description automatically generated">
+            <a:extLst>
+              <a:ext uri="{FF2B5EF4-FFF2-40B4-BE49-F238E27FC236}">
+                <a16:creationId xmlns:a16="http://schemas.microsoft.com/office/drawing/2014/main" id="{104E6DF1-B25B-3E4B-9A3F-645412B82A1A}"/>
+              </a:ext>
+            </a:extLst>
+          </p:cNvPr>
+          <p:cNvPicPr>
+            <a:picLocks noChangeAspect="1"/>
+          </p:cNvPicPr>
+          <p:nvPr/>
+        </p:nvPicPr>
+        <p:blipFill>
+          <a:blip r:embed="rId7"/>
+          <a:stretch>
+            <a:fillRect/>
+          </a:stretch>
+        </p:blipFill>
+        <p:spPr>
+          <a:xfrm>
+            <a:off x="10721308" y="5625243"/>
+            <a:ext cx="1480109" cy="1480109"/>
+          </a:xfrm>
+          <a:prstGeom prst="rect">
+            <a:avLst/>
+          </a:prstGeom>
+        </p:spPr>
+      </p:pic>
+      <p:pic>
+        <p:nvPicPr>
+          <p:cNvPr id="67" name="Picture 66" descr="A yellow object on a black background&#10;&#10;Description automatically generated with medium confidence">
+            <a:extLst>
+              <a:ext uri="{FF2B5EF4-FFF2-40B4-BE49-F238E27FC236}">
+                <a16:creationId xmlns:a16="http://schemas.microsoft.com/office/drawing/2014/main" id="{17624137-FC46-734E-8702-E397B2B3428D}"/>
+              </a:ext>
+            </a:extLst>
+          </p:cNvPr>
+          <p:cNvPicPr>
+            <a:picLocks noChangeAspect="1"/>
+          </p:cNvPicPr>
+          <p:nvPr/>
+        </p:nvPicPr>
+        <p:blipFill>
+          <a:blip r:embed="rId6"/>
+          <a:stretch>
+            <a:fillRect/>
+          </a:stretch>
+        </p:blipFill>
+        <p:spPr>
+          <a:xfrm>
+            <a:off x="10624604" y="4214128"/>
+            <a:ext cx="1551589" cy="1551589"/>
+          </a:xfrm>
+          <a:prstGeom prst="rect">
+            <a:avLst/>
+          </a:prstGeom>
+        </p:spPr>
+      </p:pic>
     </p:spTree>
     <p:extLst>
       <p:ext uri="{BB962C8B-B14F-4D97-AF65-F5344CB8AC3E}">
@@ -5421,6 +5421,9 @@
                     <p:cTn id="3" fill="hold">
                       <p:stCondLst>
                         <p:cond delay="indefinite"/>
+                        <p:cond evt="onBegin" delay="0">
+                          <p:tn val="2"/>
+                        </p:cond>
                       </p:stCondLst>
                       <p:childTnLst>
                         <p:par>
@@ -5430,7 +5433,7 @@
                             </p:stCondLst>
                             <p:childTnLst>
                               <p:par>
-                                <p:cTn id="5" presetID="1" presetClass="entr" presetSubtype="0" fill="hold" nodeType="clickEffect">
+                                <p:cTn id="5" presetID="1" presetClass="entr" presetSubtype="0" fill="hold" nodeType="withEffect">
                                   <p:stCondLst>
                                     <p:cond delay="0"/>
                                   </p:stCondLst>
@@ -5438,33 +5441,6 @@
                                     <p:set>
                                       <p:cBhvr>
                                         <p:cTn id="6" dur="1" fill="hold">
-                                          <p:stCondLst>
-                                            <p:cond delay="0"/>
-                                          </p:stCondLst>
-                                        </p:cTn>
-                                        <p:tgtEl>
-                                          <p:spTgt spid="19"/>
-                                        </p:tgtEl>
-                                        <p:attrNameLst>
-                                          <p:attrName>style.visibility</p:attrName>
-                                        </p:attrNameLst>
-                                      </p:cBhvr>
-                                      <p:to>
-                                        <p:strVal val="visible"/>
-                                      </p:to>
-                                    </p:set>
-                                  </p:childTnLst>
-                                </p:cTn>
-                              </p:par>
-                              <p:par>
-                                <p:cTn id="7" presetID="1" presetClass="entr" presetSubtype="0" fill="hold" nodeType="withEffect">
-                                  <p:stCondLst>
-                                    <p:cond delay="0"/>
-                                  </p:stCondLst>
-                                  <p:childTnLst>
-                                    <p:set>
-                                      <p:cBhvr>
-                                        <p:cTn id="8" dur="1" fill="hold">
                                           <p:stCondLst>
                                             <p:cond delay="0"/>
                                           </p:stCondLst>
@@ -5484,7 +5460,34 @@
                                 </p:cTn>
                               </p:par>
                               <p:par>
-                                <p:cTn id="9" presetID="1" presetClass="entr" presetSubtype="0" fill="hold" nodeType="withEffect">
+                                <p:cTn id="7" presetID="1" presetClass="entr" presetSubtype="0" fill="hold" grpId="0" nodeType="withEffect">
+                                  <p:stCondLst>
+                                    <p:cond delay="0"/>
+                                  </p:stCondLst>
+                                  <p:childTnLst>
+                                    <p:set>
+                                      <p:cBhvr>
+                                        <p:cTn id="8" dur="1" fill="hold">
+                                          <p:stCondLst>
+                                            <p:cond delay="0"/>
+                                          </p:stCondLst>
+                                        </p:cTn>
+                                        <p:tgtEl>
+                                          <p:spTgt spid="13"/>
+                                        </p:tgtEl>
+                                        <p:attrNameLst>
+                                          <p:attrName>style.visibility</p:attrName>
+                                        </p:attrNameLst>
+                                      </p:cBhvr>
+                                      <p:to>
+                                        <p:strVal val="visible"/>
+                                      </p:to>
+                                    </p:set>
+                                  </p:childTnLst>
+                                </p:cTn>
+                              </p:par>
+                              <p:par>
+                                <p:cTn id="9" presetID="1" presetClass="entr" presetSubtype="0" fill="hold" grpId="0" nodeType="withEffect">
                                   <p:stCondLst>
                                     <p:cond delay="0"/>
                                   </p:stCondLst>
@@ -5497,7 +5500,7 @@
                                           </p:stCondLst>
                                         </p:cTn>
                                         <p:tgtEl>
-                                          <p:spTgt spid="23"/>
+                                          <p:spTgt spid="49"/>
                                         </p:tgtEl>
                                         <p:attrNameLst>
                                           <p:attrName>style.visibility</p:attrName>
@@ -5524,7 +5527,7 @@
                                           </p:stCondLst>
                                         </p:cTn>
                                         <p:tgtEl>
-                                          <p:spTgt spid="13"/>
+                                          <p:spTgt spid="60"/>
                                         </p:tgtEl>
                                         <p:attrNameLst>
                                           <p:attrName>style.visibility</p:attrName>
@@ -5551,7 +5554,7 @@
                                           </p:stCondLst>
                                         </p:cTn>
                                         <p:tgtEl>
-                                          <p:spTgt spid="49"/>
+                                          <p:spTgt spid="48"/>
                                         </p:tgtEl>
                                         <p:attrNameLst>
                                           <p:attrName>style.visibility</p:attrName>
@@ -5565,7 +5568,7 @@
                                 </p:cTn>
                               </p:par>
                               <p:par>
-                                <p:cTn id="15" presetID="1" presetClass="entr" presetSubtype="0" fill="hold" grpId="0" nodeType="withEffect">
+                                <p:cTn id="15" presetID="1" presetClass="entr" presetSubtype="0" fill="hold" nodeType="withEffect">
                                   <p:stCondLst>
                                     <p:cond delay="0"/>
                                   </p:stCondLst>
@@ -5578,7 +5581,7 @@
                                           </p:stCondLst>
                                         </p:cTn>
                                         <p:tgtEl>
-                                          <p:spTgt spid="60"/>
+                                          <p:spTgt spid="18"/>
                                         </p:tgtEl>
                                         <p:attrNameLst>
                                           <p:attrName>style.visibility</p:attrName>
@@ -5605,7 +5608,7 @@
                                           </p:stCondLst>
                                         </p:cTn>
                                         <p:tgtEl>
-                                          <p:spTgt spid="48"/>
+                                          <p:spTgt spid="58"/>
                                         </p:tgtEl>
                                         <p:attrNameLst>
                                           <p:attrName>style.visibility</p:attrName>
@@ -5632,7 +5635,7 @@
                                           </p:stCondLst>
                                         </p:cTn>
                                         <p:tgtEl>
-                                          <p:spTgt spid="18"/>
+                                          <p:spTgt spid="6"/>
                                         </p:tgtEl>
                                         <p:attrNameLst>
                                           <p:attrName>style.visibility</p:attrName>
@@ -5677,105 +5680,6 @@
                                           </p:stCondLst>
                                         </p:cTn>
                                         <p:tgtEl>
-                                          <p:spTgt spid="76"/>
-                                        </p:tgtEl>
-                                        <p:attrNameLst>
-                                          <p:attrName>style.visibility</p:attrName>
-                                        </p:attrNameLst>
-                                      </p:cBhvr>
-                                      <p:to>
-                                        <p:strVal val="visible"/>
-                                      </p:to>
-                                    </p:set>
-                                  </p:childTnLst>
-                                </p:cTn>
-                              </p:par>
-                              <p:par>
-                                <p:cTn id="25" presetID="1" presetClass="entr" presetSubtype="0" fill="hold" grpId="0" nodeType="withEffect">
-                                  <p:stCondLst>
-                                    <p:cond delay="0"/>
-                                  </p:stCondLst>
-                                  <p:childTnLst>
-                                    <p:set>
-                                      <p:cBhvr>
-                                        <p:cTn id="26" dur="1" fill="hold">
-                                          <p:stCondLst>
-                                            <p:cond delay="0"/>
-                                          </p:stCondLst>
-                                        </p:cTn>
-                                        <p:tgtEl>
-                                          <p:spTgt spid="58"/>
-                                        </p:tgtEl>
-                                        <p:attrNameLst>
-                                          <p:attrName>style.visibility</p:attrName>
-                                        </p:attrNameLst>
-                                      </p:cBhvr>
-                                      <p:to>
-                                        <p:strVal val="visible"/>
-                                      </p:to>
-                                    </p:set>
-                                  </p:childTnLst>
-                                </p:cTn>
-                              </p:par>
-                              <p:par>
-                                <p:cTn id="27" presetID="1" presetClass="entr" presetSubtype="0" fill="hold" nodeType="withEffect">
-                                  <p:stCondLst>
-                                    <p:cond delay="0"/>
-                                  </p:stCondLst>
-                                  <p:childTnLst>
-                                    <p:set>
-                                      <p:cBhvr>
-                                        <p:cTn id="28" dur="1" fill="hold">
-                                          <p:stCondLst>
-                                            <p:cond delay="0"/>
-                                          </p:stCondLst>
-                                        </p:cTn>
-                                        <p:tgtEl>
-                                          <p:spTgt spid="6"/>
-                                        </p:tgtEl>
-                                        <p:attrNameLst>
-                                          <p:attrName>style.visibility</p:attrName>
-                                        </p:attrNameLst>
-                                      </p:cBhvr>
-                                      <p:to>
-                                        <p:strVal val="visible"/>
-                                      </p:to>
-                                    </p:set>
-                                  </p:childTnLst>
-                                </p:cTn>
-                              </p:par>
-                            </p:childTnLst>
-                          </p:cTn>
-                        </p:par>
-                      </p:childTnLst>
-                    </p:cTn>
-                  </p:par>
-                  <p:par>
-                    <p:cTn id="29" fill="hold">
-                      <p:stCondLst>
-                        <p:cond delay="indefinite"/>
-                      </p:stCondLst>
-                      <p:childTnLst>
-                        <p:par>
-                          <p:cTn id="30" fill="hold">
-                            <p:stCondLst>
-                              <p:cond delay="0"/>
-                            </p:stCondLst>
-                            <p:childTnLst>
-                              <p:par>
-                                <p:cTn id="31" presetID="1" presetClass="entr" presetSubtype="0" fill="hold" nodeType="clickEffect">
-                                  <p:stCondLst>
-                                    <p:cond delay="0"/>
-                                  </p:stCondLst>
-                                  <p:childTnLst>
-                                    <p:set>
-                                      <p:cBhvr>
-                                        <p:cTn id="32" dur="1" fill="hold">
-                                          <p:stCondLst>
-                                            <p:cond delay="0"/>
-                                          </p:stCondLst>
-                                        </p:cTn>
-                                        <p:tgtEl>
                                           <p:spTgt spid="34"/>
                                         </p:tgtEl>
                                         <p:attrNameLst>
@@ -5790,7 +5694,115 @@
                                 </p:cTn>
                               </p:par>
                               <p:par>
-                                <p:cTn id="33" presetID="1" presetClass="entr" presetSubtype="0" fill="hold" nodeType="withEffect">
+                                <p:cTn id="25" presetID="1" presetClass="entr" presetSubtype="0" fill="hold" nodeType="withEffect">
+                                  <p:stCondLst>
+                                    <p:cond delay="0"/>
+                                  </p:stCondLst>
+                                  <p:childTnLst>
+                                    <p:set>
+                                      <p:cBhvr>
+                                        <p:cTn id="26" dur="1" fill="hold">
+                                          <p:stCondLst>
+                                            <p:cond delay="0"/>
+                                          </p:stCondLst>
+                                        </p:cTn>
+                                        <p:tgtEl>
+                                          <p:spTgt spid="35"/>
+                                        </p:tgtEl>
+                                        <p:attrNameLst>
+                                          <p:attrName>style.visibility</p:attrName>
+                                        </p:attrNameLst>
+                                      </p:cBhvr>
+                                      <p:to>
+                                        <p:strVal val="visible"/>
+                                      </p:to>
+                                    </p:set>
+                                  </p:childTnLst>
+                                </p:cTn>
+                              </p:par>
+                              <p:par>
+                                <p:cTn id="27" presetID="1" presetClass="entr" presetSubtype="0" fill="hold" grpId="0" nodeType="withEffect">
+                                  <p:stCondLst>
+                                    <p:cond delay="0"/>
+                                  </p:stCondLst>
+                                  <p:childTnLst>
+                                    <p:set>
+                                      <p:cBhvr>
+                                        <p:cTn id="28" dur="1" fill="hold">
+                                          <p:stCondLst>
+                                            <p:cond delay="0"/>
+                                          </p:stCondLst>
+                                        </p:cTn>
+                                        <p:tgtEl>
+                                          <p:spTgt spid="50"/>
+                                        </p:tgtEl>
+                                        <p:attrNameLst>
+                                          <p:attrName>style.visibility</p:attrName>
+                                        </p:attrNameLst>
+                                      </p:cBhvr>
+                                      <p:to>
+                                        <p:strVal val="visible"/>
+                                      </p:to>
+                                    </p:set>
+                                  </p:childTnLst>
+                                </p:cTn>
+                              </p:par>
+                              <p:par>
+                                <p:cTn id="29" presetID="1" presetClass="entr" presetSubtype="0" fill="hold" grpId="0" nodeType="withEffect">
+                                  <p:stCondLst>
+                                    <p:cond delay="0"/>
+                                  </p:stCondLst>
+                                  <p:childTnLst>
+                                    <p:set>
+                                      <p:cBhvr>
+                                        <p:cTn id="30" dur="1" fill="hold">
+                                          <p:stCondLst>
+                                            <p:cond delay="0"/>
+                                          </p:stCondLst>
+                                        </p:cTn>
+                                        <p:tgtEl>
+                                          <p:spTgt spid="56"/>
+                                        </p:tgtEl>
+                                        <p:attrNameLst>
+                                          <p:attrName>style.visibility</p:attrName>
+                                        </p:attrNameLst>
+                                      </p:cBhvr>
+                                      <p:to>
+                                        <p:strVal val="visible"/>
+                                      </p:to>
+                                    </p:set>
+                                  </p:childTnLst>
+                                </p:cTn>
+                              </p:par>
+                              <p:par>
+                                <p:cTn id="31" presetID="1" presetClass="entr" presetSubtype="0" fill="hold" grpId="0" nodeType="withEffect">
+                                  <p:stCondLst>
+                                    <p:cond delay="0"/>
+                                  </p:stCondLst>
+                                  <p:childTnLst>
+                                    <p:set>
+                                      <p:cBhvr>
+                                        <p:cTn id="32" dur="1" fill="hold">
+                                          <p:stCondLst>
+                                            <p:cond delay="0"/>
+                                          </p:stCondLst>
+                                        </p:cTn>
+                                        <p:tgtEl>
+                                          <p:spTgt spid="55"/>
+                                        </p:tgtEl>
+                                        <p:attrNameLst>
+                                          <p:attrName>style.visibility</p:attrName>
+                                        </p:attrNameLst>
+                                      </p:cBhvr>
+                                      <p:to>
+                                        <p:strVal val="visible"/>
+                                      </p:to>
+                                    </p:set>
+                                  </p:childTnLst>
+                                </p:cTn>
+                              </p:par>
+                              <p:par>
+                                <p:cTn id="33" presetID="1" presetClass="entr" presetSubtype="0" fill="hold" grpId="0" nodeType="withEffect">
                                   <p:stCondLst>
                                     <p:cond delay="0"/>
                                   </p:stCondLst>
@@ -5803,7 +5815,7 @@
                                           </p:stCondLst>
                                         </p:cTn>
                                         <p:tgtEl>
-                                          <p:spTgt spid="35"/>
+                                          <p:spTgt spid="51"/>
                                         </p:tgtEl>
                                         <p:attrNameLst>
                                           <p:attrName>style.visibility</p:attrName>
@@ -5830,7 +5842,7 @@
                                           </p:stCondLst>
                                         </p:cTn>
                                         <p:tgtEl>
-                                          <p:spTgt spid="10"/>
+                                          <p:spTgt spid="36"/>
                                         </p:tgtEl>
                                         <p:attrNameLst>
                                           <p:attrName>style.visibility</p:attrName>
@@ -5844,7 +5856,7 @@
                                 </p:cTn>
                               </p:par>
                               <p:par>
-                                <p:cTn id="37" presetID="1" presetClass="entr" presetSubtype="0" fill="hold" grpId="0" nodeType="withEffect">
+                                <p:cTn id="37" presetID="1" presetClass="entr" presetSubtype="0" fill="hold" nodeType="withEffect">
                                   <p:stCondLst>
                                     <p:cond delay="0"/>
                                   </p:stCondLst>
@@ -5857,7 +5869,7 @@
                                           </p:stCondLst>
                                         </p:cTn>
                                         <p:tgtEl>
-                                          <p:spTgt spid="50"/>
+                                          <p:spTgt spid="37"/>
                                         </p:tgtEl>
                                         <p:attrNameLst>
                                           <p:attrName>style.visibility</p:attrName>
@@ -5884,7 +5896,7 @@
                                           </p:stCondLst>
                                         </p:cTn>
                                         <p:tgtEl>
-                                          <p:spTgt spid="56"/>
+                                          <p:spTgt spid="59"/>
                                         </p:tgtEl>
                                         <p:attrNameLst>
                                           <p:attrName>style.visibility</p:attrName>
@@ -5898,7 +5910,7 @@
                                 </p:cTn>
                               </p:par>
                               <p:par>
-                                <p:cTn id="41" presetID="1" presetClass="entr" presetSubtype="0" fill="hold" grpId="0" nodeType="withEffect">
+                                <p:cTn id="41" presetID="1" presetClass="entr" presetSubtype="0" fill="hold" nodeType="withEffect">
                                   <p:stCondLst>
                                     <p:cond delay="0"/>
                                   </p:stCondLst>
@@ -5911,7 +5923,7 @@
                                           </p:stCondLst>
                                         </p:cTn>
                                         <p:tgtEl>
-                                          <p:spTgt spid="55"/>
+                                          <p:spTgt spid="5"/>
                                         </p:tgtEl>
                                         <p:attrNameLst>
                                           <p:attrName>style.visibility</p:attrName>
@@ -5938,240 +5950,6 @@
                                           </p:stCondLst>
                                         </p:cTn>
                                         <p:tgtEl>
-                                          <p:spTgt spid="51"/>
-                                        </p:tgtEl>
-                                        <p:attrNameLst>
-                                          <p:attrName>style.visibility</p:attrName>
-                                        </p:attrNameLst>
-                                      </p:cBhvr>
-                                      <p:to>
-                                        <p:strVal val="visible"/>
-                                      </p:to>
-                                    </p:set>
-                                  </p:childTnLst>
-                                </p:cTn>
-                              </p:par>
-                              <p:par>
-                                <p:cTn id="45" presetID="1" presetClass="entr" presetSubtype="0" fill="hold" nodeType="withEffect">
-                                  <p:stCondLst>
-                                    <p:cond delay="0"/>
-                                  </p:stCondLst>
-                                  <p:childTnLst>
-                                    <p:set>
-                                      <p:cBhvr>
-                                        <p:cTn id="46" dur="1" fill="hold">
-                                          <p:stCondLst>
-                                            <p:cond delay="0"/>
-                                          </p:stCondLst>
-                                        </p:cTn>
-                                        <p:tgtEl>
-                                          <p:spTgt spid="38"/>
-                                        </p:tgtEl>
-                                        <p:attrNameLst>
-                                          <p:attrName>style.visibility</p:attrName>
-                                        </p:attrNameLst>
-                                      </p:cBhvr>
-                                      <p:to>
-                                        <p:strVal val="visible"/>
-                                      </p:to>
-                                    </p:set>
-                                  </p:childTnLst>
-                                </p:cTn>
-                              </p:par>
-                            </p:childTnLst>
-                          </p:cTn>
-                        </p:par>
-                      </p:childTnLst>
-                    </p:cTn>
-                  </p:par>
-                  <p:par>
-                    <p:cTn id="47" fill="hold">
-                      <p:stCondLst>
-                        <p:cond delay="indefinite"/>
-                      </p:stCondLst>
-                      <p:childTnLst>
-                        <p:par>
-                          <p:cTn id="48" fill="hold">
-                            <p:stCondLst>
-                              <p:cond delay="0"/>
-                            </p:stCondLst>
-                            <p:childTnLst>
-                              <p:par>
-                                <p:cTn id="49" presetID="1" presetClass="entr" presetSubtype="0" fill="hold" nodeType="clickEffect">
-                                  <p:stCondLst>
-                                    <p:cond delay="0"/>
-                                  </p:stCondLst>
-                                  <p:childTnLst>
-                                    <p:set>
-                                      <p:cBhvr>
-                                        <p:cTn id="50" dur="1" fill="hold">
-                                          <p:stCondLst>
-                                            <p:cond delay="0"/>
-                                          </p:stCondLst>
-                                        </p:cTn>
-                                        <p:tgtEl>
-                                          <p:spTgt spid="86"/>
-                                        </p:tgtEl>
-                                        <p:attrNameLst>
-                                          <p:attrName>style.visibility</p:attrName>
-                                        </p:attrNameLst>
-                                      </p:cBhvr>
-                                      <p:to>
-                                        <p:strVal val="visible"/>
-                                      </p:to>
-                                    </p:set>
-                                  </p:childTnLst>
-                                </p:cTn>
-                              </p:par>
-                              <p:par>
-                                <p:cTn id="51" presetID="1" presetClass="entr" presetSubtype="0" fill="hold" nodeType="withEffect">
-                                  <p:stCondLst>
-                                    <p:cond delay="0"/>
-                                  </p:stCondLst>
-                                  <p:childTnLst>
-                                    <p:set>
-                                      <p:cBhvr>
-                                        <p:cTn id="52" dur="1" fill="hold">
-                                          <p:stCondLst>
-                                            <p:cond delay="0"/>
-                                          </p:stCondLst>
-                                        </p:cTn>
-                                        <p:tgtEl>
-                                          <p:spTgt spid="36"/>
-                                        </p:tgtEl>
-                                        <p:attrNameLst>
-                                          <p:attrName>style.visibility</p:attrName>
-                                        </p:attrNameLst>
-                                      </p:cBhvr>
-                                      <p:to>
-                                        <p:strVal val="visible"/>
-                                      </p:to>
-                                    </p:set>
-                                  </p:childTnLst>
-                                </p:cTn>
-                              </p:par>
-                              <p:par>
-                                <p:cTn id="53" presetID="1" presetClass="entr" presetSubtype="0" fill="hold" nodeType="withEffect">
-                                  <p:stCondLst>
-                                    <p:cond delay="0"/>
-                                  </p:stCondLst>
-                                  <p:childTnLst>
-                                    <p:set>
-                                      <p:cBhvr>
-                                        <p:cTn id="54" dur="1" fill="hold">
-                                          <p:stCondLst>
-                                            <p:cond delay="0"/>
-                                          </p:stCondLst>
-                                        </p:cTn>
-                                        <p:tgtEl>
-                                          <p:spTgt spid="37"/>
-                                        </p:tgtEl>
-                                        <p:attrNameLst>
-                                          <p:attrName>style.visibility</p:attrName>
-                                        </p:attrNameLst>
-                                      </p:cBhvr>
-                                      <p:to>
-                                        <p:strVal val="visible"/>
-                                      </p:to>
-                                    </p:set>
-                                  </p:childTnLst>
-                                </p:cTn>
-                              </p:par>
-                              <p:par>
-                                <p:cTn id="55" presetID="1" presetClass="entr" presetSubtype="0" fill="hold" nodeType="withEffect">
-                                  <p:stCondLst>
-                                    <p:cond delay="0"/>
-                                  </p:stCondLst>
-                                  <p:childTnLst>
-                                    <p:set>
-                                      <p:cBhvr>
-                                        <p:cTn id="56" dur="1" fill="hold">
-                                          <p:stCondLst>
-                                            <p:cond delay="0"/>
-                                          </p:stCondLst>
-                                        </p:cTn>
-                                        <p:tgtEl>
-                                          <p:spTgt spid="14"/>
-                                        </p:tgtEl>
-                                        <p:attrNameLst>
-                                          <p:attrName>style.visibility</p:attrName>
-                                        </p:attrNameLst>
-                                      </p:cBhvr>
-                                      <p:to>
-                                        <p:strVal val="visible"/>
-                                      </p:to>
-                                    </p:set>
-                                  </p:childTnLst>
-                                </p:cTn>
-                              </p:par>
-                              <p:par>
-                                <p:cTn id="57" presetID="1" presetClass="entr" presetSubtype="0" fill="hold" grpId="0" nodeType="withEffect">
-                                  <p:stCondLst>
-                                    <p:cond delay="0"/>
-                                  </p:stCondLst>
-                                  <p:childTnLst>
-                                    <p:set>
-                                      <p:cBhvr>
-                                        <p:cTn id="58" dur="1" fill="hold">
-                                          <p:stCondLst>
-                                            <p:cond delay="0"/>
-                                          </p:stCondLst>
-                                        </p:cTn>
-                                        <p:tgtEl>
-                                          <p:spTgt spid="59"/>
-                                        </p:tgtEl>
-                                        <p:attrNameLst>
-                                          <p:attrName>style.visibility</p:attrName>
-                                        </p:attrNameLst>
-                                      </p:cBhvr>
-                                      <p:to>
-                                        <p:strVal val="visible"/>
-                                      </p:to>
-                                    </p:set>
-                                  </p:childTnLst>
-                                </p:cTn>
-                              </p:par>
-                              <p:par>
-                                <p:cTn id="59" presetID="1" presetClass="entr" presetSubtype="0" fill="hold" nodeType="withEffect">
-                                  <p:stCondLst>
-                                    <p:cond delay="0"/>
-                                  </p:stCondLst>
-                                  <p:childTnLst>
-                                    <p:set>
-                                      <p:cBhvr>
-                                        <p:cTn id="60" dur="1" fill="hold">
-                                          <p:stCondLst>
-                                            <p:cond delay="0"/>
-                                          </p:stCondLst>
-                                        </p:cTn>
-                                        <p:tgtEl>
-                                          <p:spTgt spid="5"/>
-                                        </p:tgtEl>
-                                        <p:attrNameLst>
-                                          <p:attrName>style.visibility</p:attrName>
-                                        </p:attrNameLst>
-                                      </p:cBhvr>
-                                      <p:to>
-                                        <p:strVal val="visible"/>
-                                      </p:to>
-                                    </p:set>
-                                  </p:childTnLst>
-                                </p:cTn>
-                              </p:par>
-                              <p:par>
-                                <p:cTn id="61" presetID="1" presetClass="entr" presetSubtype="0" fill="hold" grpId="0" nodeType="withEffect">
-                                  <p:stCondLst>
-                                    <p:cond delay="0"/>
-                                  </p:stCondLst>
-                                  <p:childTnLst>
-                                    <p:set>
-                                      <p:cBhvr>
-                                        <p:cTn id="62" dur="1" fill="hold">
-                                          <p:stCondLst>
-                                            <p:cond delay="0"/>
-                                          </p:stCondLst>
-                                        </p:cTn>
-                                        <p:tgtEl>
                                           <p:spTgt spid="52"/>
                                         </p:tgtEl>
                                         <p:attrNameLst>
@@ -6186,14 +5964,14 @@
                                 </p:cTn>
                               </p:par>
                               <p:par>
-                                <p:cTn id="63" presetID="1" presetClass="entr" presetSubtype="0" fill="hold" grpId="0" nodeType="withEffect">
+                                <p:cTn id="45" presetID="1" presetClass="entr" presetSubtype="0" fill="hold" grpId="0" nodeType="withEffect">
                                   <p:stCondLst>
                                     <p:cond delay="0"/>
                                   </p:stCondLst>
                                   <p:childTnLst>
                                     <p:set>
                                       <p:cBhvr>
-                                        <p:cTn id="64" dur="1" fill="hold">
+                                        <p:cTn id="46" dur="1" fill="hold">
                                           <p:stCondLst>
                                             <p:cond delay="0"/>
                                           </p:stCondLst>
@@ -6213,14 +5991,14 @@
                                 </p:cTn>
                               </p:par>
                               <p:par>
-                                <p:cTn id="65" presetID="1" presetClass="entr" presetSubtype="0" fill="hold" grpId="0" nodeType="withEffect">
+                                <p:cTn id="47" presetID="1" presetClass="entr" presetSubtype="0" fill="hold" grpId="0" nodeType="withEffect">
                                   <p:stCondLst>
                                     <p:cond delay="0"/>
                                   </p:stCondLst>
                                   <p:childTnLst>
                                     <p:set>
                                       <p:cBhvr>
-                                        <p:cTn id="66" dur="1" fill="hold">
+                                        <p:cTn id="48" dur="1" fill="hold">
                                           <p:stCondLst>
                                             <p:cond delay="0"/>
                                           </p:stCondLst>
@@ -6240,14 +6018,14 @@
                                 </p:cTn>
                               </p:par>
                               <p:par>
-                                <p:cTn id="67" presetID="1" presetClass="entr" presetSubtype="0" fill="hold" grpId="0" nodeType="withEffect">
+                                <p:cTn id="49" presetID="1" presetClass="entr" presetSubtype="0" fill="hold" grpId="0" nodeType="withEffect">
                                   <p:stCondLst>
                                     <p:cond delay="0"/>
                                   </p:stCondLst>
                                   <p:childTnLst>
                                     <p:set>
                                       <p:cBhvr>
-                                        <p:cTn id="68" dur="1" fill="hold">
+                                        <p:cTn id="50" dur="1" fill="hold">
                                           <p:stCondLst>
                                             <p:cond delay="0"/>
                                           </p:stCondLst>
@@ -6263,284 +6041,6 @@
                                         <p:strVal val="visible"/>
                                       </p:to>
                                     </p:set>
-                                  </p:childTnLst>
-                                </p:cTn>
-                              </p:par>
-                              <p:par>
-                                <p:cTn id="69" presetID="1" presetClass="entr" presetSubtype="0" fill="hold" nodeType="withEffect">
-                                  <p:stCondLst>
-                                    <p:cond delay="0"/>
-                                  </p:stCondLst>
-                                  <p:childTnLst>
-                                    <p:set>
-                                      <p:cBhvr>
-                                        <p:cTn id="70" dur="1" fill="hold">
-                                          <p:stCondLst>
-                                            <p:cond delay="0"/>
-                                          </p:stCondLst>
-                                        </p:cTn>
-                                        <p:tgtEl>
-                                          <p:spTgt spid="40"/>
-                                        </p:tgtEl>
-                                        <p:attrNameLst>
-                                          <p:attrName>style.visibility</p:attrName>
-                                        </p:attrNameLst>
-                                      </p:cBhvr>
-                                      <p:to>
-                                        <p:strVal val="visible"/>
-                                      </p:to>
-                                    </p:set>
-                                  </p:childTnLst>
-                                </p:cTn>
-                              </p:par>
-                            </p:childTnLst>
-                          </p:cTn>
-                        </p:par>
-                      </p:childTnLst>
-                    </p:cTn>
-                  </p:par>
-                  <p:par>
-                    <p:cTn id="71" fill="hold">
-                      <p:stCondLst>
-                        <p:cond delay="indefinite"/>
-                      </p:stCondLst>
-                      <p:childTnLst>
-                        <p:par>
-                          <p:cTn id="72" fill="hold">
-                            <p:stCondLst>
-                              <p:cond delay="0"/>
-                            </p:stCondLst>
-                            <p:childTnLst>
-                              <p:par>
-                                <p:cTn id="73" presetID="0" presetClass="path" presetSubtype="0" accel="50000" decel="50000" fill="hold" nodeType="clickEffect">
-                                  <p:stCondLst>
-                                    <p:cond delay="0"/>
-                                  </p:stCondLst>
-                                  <p:childTnLst>
-                                    <p:animMotion origin="layout" path="M 0.00365 0.03148 L 0.00365 0.03171 C 0.0043 0.03889 0.00521 0.04629 0.0056 0.05393 C 0.0086 0.10347 0.00573 0.2206 0.0056 0.23055 C 0.00547 0.24189 0.0043 0.24421 0.00365 0.25486 C 0.00352 0.25717 0.00365 0.25949 0.00365 0.2618 " pathEditMode="relative" rAng="0" ptsTypes="AAAAAA">
-                                      <p:cBhvr>
-                                        <p:cTn id="74" dur="2000" fill="hold"/>
-                                        <p:tgtEl>
-                                          <p:spTgt spid="25"/>
-                                        </p:tgtEl>
-                                        <p:attrNameLst>
-                                          <p:attrName>ppt_x</p:attrName>
-                                          <p:attrName>ppt_y</p:attrName>
-                                        </p:attrNameLst>
-                                      </p:cBhvr>
-                                      <p:rCtr x="156" y="11505"/>
-                                    </p:animMotion>
-                                  </p:childTnLst>
-                                </p:cTn>
-                              </p:par>
-                              <p:par>
-                                <p:cTn id="75" presetID="0" presetClass="path" presetSubtype="0" accel="50000" decel="50000" fill="hold" nodeType="withEffect">
-                                  <p:stCondLst>
-                                    <p:cond delay="0"/>
-                                  </p:stCondLst>
-                                  <p:childTnLst>
-                                    <p:animMotion origin="layout" path="M 0.00312 0.02709 L 0.00312 0.02732 C 0.00273 0.03218 0.00234 0.03727 0.00208 0.0426 C 0.00078 0.06528 0.00208 0.05486 0.00013 0.06852 C -0.00013 0.07894 -0.00039 0.08936 -0.00079 0.09977 C -0.00105 0.10371 -0.0017 0.10764 -0.00183 0.11181 C -0.00235 0.12269 -0.00248 0.1338 -0.00287 0.14468 C -0.00482 0.20394 -0.00287 0.13125 -0.00469 0.21042 C -0.003 0.29746 -0.00495 0.23125 -0.00287 0.27639 C -0.00248 0.28449 -0.00183 0.3007 -0.00183 0.30093 " pathEditMode="relative" rAng="0" ptsTypes="AAAAAAAAAA">
-                                      <p:cBhvr>
-                                        <p:cTn id="76" dur="2000" fill="hold"/>
-                                        <p:tgtEl>
-                                          <p:spTgt spid="76"/>
-                                        </p:tgtEl>
-                                        <p:attrNameLst>
-                                          <p:attrName>ppt_x</p:attrName>
-                                          <p:attrName>ppt_y</p:attrName>
-                                        </p:attrNameLst>
-                                      </p:cBhvr>
-                                      <p:rCtr x="-391" y="13681"/>
-                                    </p:animMotion>
-                                  </p:childTnLst>
-                                </p:cTn>
-                              </p:par>
-                              <p:par>
-                                <p:cTn id="77" presetID="0" presetClass="path" presetSubtype="0" accel="50000" decel="50000" fill="hold" nodeType="withEffect">
-                                  <p:stCondLst>
-                                    <p:cond delay="0"/>
-                                  </p:stCondLst>
-                                  <p:childTnLst>
-                                    <p:animMotion origin="layout" path="M -0.03164 -0.01991 L -0.03164 -0.01968 C -0.04531 -0.04769 -0.03698 -0.03148 -0.05742 -0.06806 C -0.05977 -0.07222 -0.0625 -0.07569 -0.06445 -0.08056 C -0.06836 -0.08935 -0.07266 -0.09815 -0.07617 -0.10741 L -0.08086 -0.11991 C -0.08372 -0.14005 -0.08008 -0.11528 -0.0845 -0.13889 C -0.0849 -0.14144 -0.08516 -0.14444 -0.08555 -0.14722 C -0.08633 -0.15069 -0.08737 -0.15394 -0.08789 -0.15741 C -0.08893 -0.16435 -0.08932 -0.17153 -0.09023 -0.17824 C -0.09115 -0.18449 -0.09219 -0.19097 -0.09258 -0.19722 C -0.0931 -0.20324 -0.09336 -0.20972 -0.09375 -0.21574 C -0.09336 -0.23935 -0.09375 -0.26319 -0.09258 -0.28657 C -0.09219 -0.29653 -0.09023 -0.30602 -0.08919 -0.31574 C -0.08503 -0.35231 -0.09323 -0.29144 -0.0832 -0.35556 C -0.08268 -0.3588 -0.08268 -0.3625 -0.08216 -0.36574 C -0.08112 -0.37153 -0.07969 -0.37685 -0.07852 -0.38241 C -0.06992 -0.42593 -0.0806 -0.37639 -0.07044 -0.41991 C -0.06745 -0.43241 -0.07122 -0.41944 -0.0681 -0.43657 C -0.06549 -0.45 -0.0625 -0.45718 -0.05872 -0.46991 C -0.05664 -0.47685 -0.05508 -0.48426 -0.05273 -0.49074 C -0.05169 -0.49444 -0.05052 -0.49792 -0.04935 -0.50139 C -0.0487 -0.50347 -0.04766 -0.50532 -0.04713 -0.50741 C -0.04635 -0.50949 -0.04661 -0.51204 -0.0457 -0.51389 C -0.04479 -0.5162 -0.04349 -0.51782 -0.04245 -0.51991 C -0.04102 -0.52269 -0.0401 -0.52569 -0.0388 -0.52824 C -0.03646 -0.53264 -0.03411 -0.53657 -0.03164 -0.54074 C -0.0306 -0.54306 -0.02917 -0.54468 -0.02825 -0.54722 L -0.0237 -0.55972 C -0.02279 -0.56157 -0.02227 -0.56435 -0.02122 -0.56574 L -0.01758 -0.56991 C -0.01146 -0.58657 -0.01953 -0.56667 -0.01185 -0.58056 C -0.01081 -0.58218 -0.01029 -0.58472 -0.00963 -0.58657 C -0.00911 -0.5875 -0.00872 -0.58796 -0.0082 -0.58866 " pathEditMode="relative" rAng="0" ptsTypes="AAAAAAAAAAAAAAAAAAAAAAAAAAAAAAAAAA">
-                                      <p:cBhvr>
-                                        <p:cTn id="78" dur="2000" fill="hold"/>
-                                        <p:tgtEl>
-                                          <p:spTgt spid="86"/>
-                                        </p:tgtEl>
-                                        <p:attrNameLst>
-                                          <p:attrName>ppt_x</p:attrName>
-                                          <p:attrName>ppt_y</p:attrName>
-                                        </p:attrNameLst>
-                                      </p:cBhvr>
-                                      <p:rCtr x="-1940" y="-28426"/>
-                                    </p:animMotion>
-                                  </p:childTnLst>
-                                </p:cTn>
-                              </p:par>
-                            </p:childTnLst>
-                          </p:cTn>
-                        </p:par>
-                      </p:childTnLst>
-                    </p:cTn>
-                  </p:par>
-                  <p:par>
-                    <p:cTn id="79" fill="hold">
-                      <p:stCondLst>
-                        <p:cond delay="indefinite"/>
-                      </p:stCondLst>
-                      <p:childTnLst>
-                        <p:par>
-                          <p:cTn id="80" fill="hold">
-                            <p:stCondLst>
-                              <p:cond delay="0"/>
-                            </p:stCondLst>
-                            <p:childTnLst>
-                              <p:par>
-                                <p:cTn id="81" presetID="0" presetClass="path" presetSubtype="0" accel="50000" decel="50000" fill="hold" nodeType="clickEffect">
-                                  <p:stCondLst>
-                                    <p:cond delay="0"/>
-                                  </p:stCondLst>
-                                  <p:childTnLst>
-                                    <p:animMotion origin="layout" path="M 0.0125 -0.01528 L 0.0125 -0.01505 C 0.01601 -0.02454 0.0194 -0.0338 0.02304 -0.04259 C 0.02421 -0.04537 0.02565 -0.04792 0.02656 -0.05093 C 0.02838 -0.05625 0.03046 -0.06134 0.03125 -0.06759 L 0.03242 -0.07593 C 0.03411 -0.09838 0.03398 -0.08819 0.03242 -0.11343 C 0.03216 -0.11875 0.03125 -0.1338 0.03007 -0.14028 C 0.02955 -0.14398 0.02851 -0.14722 0.02773 -0.15093 C 0.02734 -0.15278 0.02708 -0.15509 0.02656 -0.15694 C 0.02591 -0.15995 0.025 -0.1625 0.02421 -0.16528 C 0.02343 -0.16875 0.02265 -0.17222 0.02187 -0.17593 C 0.02148 -0.17778 0.02122 -0.18009 0.0207 -0.18194 C 0.01966 -0.18634 0.01849 -0.19051 0.01718 -0.19444 C 0.01653 -0.19676 0.01562 -0.19861 0.01484 -0.20093 C 0.00963 -0.2162 0.00989 -0.21829 0.00312 -0.23426 C 0.00195 -0.23704 0.00078 -0.23958 -0.00039 -0.24259 C -0.00157 -0.24606 -0.00248 -0.24954 -0.00391 -0.25278 C -0.00678 -0.25995 -0.01042 -0.26643 -0.01329 -0.27361 C -0.01654 -0.28241 -0.01823 -0.28727 -0.02266 -0.29676 C -0.02396 -0.29977 -0.02579 -0.30347 -0.02735 -0.30509 C -0.03099 -0.3125 -0.03386 -0.32083 -0.03789 -0.32778 L -0.06016 -0.36759 C -0.06211 -0.37083 -0.06446 -0.37384 -0.06602 -0.37778 C -0.0668 -0.38009 -0.06745 -0.38218 -0.06836 -0.38426 C -0.07787 -0.40463 -0.06615 -0.37824 -0.07539 -0.39444 C -0.0767 -0.39699 -0.07761 -0.40023 -0.07891 -0.40278 C -0.08112 -0.40718 -0.08373 -0.41088 -0.08594 -0.41528 C -0.08829 -0.42037 -0.09063 -0.425 -0.09297 -0.43009 C -0.09414 -0.43264 -0.09519 -0.43565 -0.09649 -0.43843 C -0.0987 -0.44259 -0.10131 -0.4463 -0.10352 -0.45093 C -0.10638 -0.45671 -0.10821 -0.46458 -0.11172 -0.46944 C -0.11368 -0.47222 -0.11576 -0.47477 -0.11758 -0.47778 C -0.12982 -0.49977 -0.11394 -0.47662 -0.12813 -0.49861 C -0.12917 -0.50046 -0.13047 -0.50139 -0.13164 -0.50278 C -0.13868 -0.51319 -0.14623 -0.52268 -0.15274 -0.53426 C -0.15743 -0.54259 -0.16641 -0.55903 -0.17032 -0.56111 L -0.17383 -0.56343 C -0.17787 -0.5706 -0.18073 -0.57639 -0.18555 -0.58194 C -0.18698 -0.5838 -0.18881 -0.58449 -0.19024 -0.58611 C -0.19154 -0.58796 -0.19232 -0.59074 -0.19375 -0.59259 C -0.19506 -0.59421 -0.19675 -0.5956 -0.19844 -0.59676 C -0.20066 -0.59838 -0.20547 -0.60069 -0.20547 -0.60046 C -0.20938 -0.6 -0.21329 -0.6 -0.21719 -0.59861 C -0.21954 -0.59792 -0.22188 -0.59583 -0.22422 -0.59444 L -0.22774 -0.59259 C -0.22891 -0.5912 -0.22995 -0.58935 -0.23125 -0.58843 C -0.2323 -0.58727 -0.23373 -0.5875 -0.23477 -0.58611 C -0.23581 -0.58472 -0.2362 -0.58194 -0.23711 -0.58009 C -0.23776 -0.57847 -0.23868 -0.57731 -0.23933 -0.57593 " pathEditMode="relative" rAng="0" ptsTypes="AAAAAAAAAAAAAAAAAAAAAAAAAAAAAAAAAAAAAAAAAAAAAAAAAA">
-                                      <p:cBhvr>
-                                        <p:cTn id="82" dur="2000" fill="hold"/>
-                                        <p:tgtEl>
-                                          <p:spTgt spid="40"/>
-                                        </p:tgtEl>
-                                        <p:attrNameLst>
-                                          <p:attrName>ppt_x</p:attrName>
-                                          <p:attrName>ppt_y</p:attrName>
-                                        </p:attrNameLst>
-                                      </p:cBhvr>
-                                      <p:rCtr x="-11536" y="-29259"/>
-                                    </p:animMotion>
-                                  </p:childTnLst>
-                                </p:cTn>
-                              </p:par>
-                              <p:par>
-                                <p:cTn id="83" presetID="0" presetClass="path" presetSubtype="0" accel="50000" decel="50000" fill="hold" nodeType="withEffect">
-                                  <p:stCondLst>
-                                    <p:cond delay="0"/>
-                                  </p:stCondLst>
-                                  <p:childTnLst>
-                                    <p:animMotion origin="layout" path="M 0.00937 -0.0162 L 0.00937 -0.01597 C 0.01393 -0.01412 0.01862 -0.0118 0.0233 -0.00995 C 0.02604 -0.00902 0.0289 -0.00879 0.03151 -0.0081 C 0.05091 -0.00185 0.03697 -0.00602 0.04791 -0.00162 C 0.04987 -0.00092 0.05182 -0.00046 0.05377 0.00023 C 0.08294 0.01135 0.05013 -0.00046 0.07135 0.00672 C 0.07526 0.00787 0.08307 0.01088 0.08307 0.01111 C 0.08463 0.01227 0.08619 0.01389 0.08776 0.01505 C 0.09244 0.01806 0.09427 0.01644 0.09947 0.01922 C 0.10429 0.02153 0.10872 0.02523 0.11354 0.02755 C 0.1151 0.02801 0.12005 0.0301 0.12174 0.03172 C 0.12304 0.03264 0.12408 0.03449 0.12526 0.03588 C 0.12604 0.03773 0.12669 0.04028 0.1276 0.0419 C 0.12864 0.04375 0.1302 0.04422 0.13112 0.04607 C 0.1319 0.04792 0.13177 0.05047 0.13229 0.05255 C 0.13294 0.05463 0.13385 0.05672 0.13463 0.05857 C 0.13502 0.06273 0.1358 0.0669 0.1358 0.07107 C 0.1358 0.13102 0.13645 0.10718 0.13346 0.13588 C 0.13085 0.16158 0.13372 0.13843 0.13112 0.1544 C 0.13072 0.15718 0.13059 0.16019 0.12994 0.16273 C 0.12942 0.16505 0.12838 0.1669 0.1276 0.16922 C 0.12473 0.18473 0.12864 0.16551 0.12408 0.18172 C 0.11927 0.19885 0.12734 0.17616 0.12057 0.19422 L 0.11588 0.21922 C 0.11549 0.22107 0.11536 0.22361 0.11471 0.22523 L 0.11237 0.23148 " pathEditMode="relative" rAng="0" ptsTypes="AAAAAAAAAAAAAAAAAAAAAAAAAAA">
-                                      <p:cBhvr>
-                                        <p:cTn id="84" dur="2000" fill="hold"/>
-                                        <p:tgtEl>
-                                          <p:spTgt spid="23"/>
-                                        </p:tgtEl>
-                                        <p:attrNameLst>
-                                          <p:attrName>ppt_x</p:attrName>
-                                          <p:attrName>ppt_y</p:attrName>
-                                        </p:attrNameLst>
-                                      </p:cBhvr>
-                                      <p:rCtr x="6315" y="12384"/>
-                                    </p:animMotion>
-                                  </p:childTnLst>
-                                </p:cTn>
-                              </p:par>
-                              <p:par>
-                                <p:cTn id="85" presetID="0" presetClass="path" presetSubtype="0" accel="50000" decel="50000" fill="hold" nodeType="withEffect">
-                                  <p:stCondLst>
-                                    <p:cond delay="0"/>
-                                  </p:stCondLst>
-                                  <p:childTnLst>
-                                    <p:animMotion origin="layout" path="M 0.01185 -0.0081 L 0.01185 -0.00787 C 0.01484 -0.00532 0.0181 -0.00277 0.02109 0.00024 C 0.02239 0.00139 0.02344 0.00301 0.02461 0.0044 C 0.02617 0.00579 0.02786 0.00695 0.0293 0.00857 C 0.03333 0.0125 0.03711 0.0169 0.04101 0.02107 C 0.04193 0.02176 0.04896 0.02917 0.05039 0.03125 C 0.05312 0.03542 0.0556 0.04075 0.05742 0.04607 C 0.05872 0.04931 0.05976 0.05301 0.06094 0.05625 C 0.06133 0.05903 0.06146 0.06204 0.06211 0.06459 C 0.06341 0.06922 0.06601 0.07246 0.0668 0.07709 C 0.06823 0.08426 0.0681 0.0845 0.07031 0.0919 C 0.07109 0.09399 0.072 0.09584 0.07266 0.09792 C 0.07357 0.1007 0.07409 0.10394 0.075 0.10625 C 0.07604 0.1088 0.07747 0.11042 0.07851 0.11274 C 0.08411 0.12454 0.07825 0.1132 0.08203 0.12524 C 0.08307 0.12825 0.08437 0.13079 0.08555 0.13357 C 0.08633 0.13774 0.08659 0.14213 0.08789 0.14607 L 0.09375 0.16274 C 0.09674 0.17825 0.09284 0.15903 0.09726 0.17524 C 0.09792 0.17709 0.09792 0.1794 0.09844 0.18125 C 0.10156 0.19098 0.10338 0.19375 0.10664 0.20209 C 0.10833 0.20625 0.11055 0.20996 0.11133 0.21459 C 0.11302 0.22338 0.11185 0.21922 0.11484 0.22709 L 0.11836 0.24607 C 0.11875 0.24792 0.11927 0.25 0.11953 0.25209 L 0.12187 0.26875 C 0.12331 0.27848 0.12305 0.27431 0.12305 0.28149 " pathEditMode="relative" rAng="0" ptsTypes="AAAAAAAAAAAAAAAAAAAAAAAAAAAA">
-                                      <p:cBhvr>
-                                        <p:cTn id="86" dur="2000" fill="hold"/>
-                                        <p:tgtEl>
-                                          <p:spTgt spid="38"/>
-                                        </p:tgtEl>
-                                        <p:attrNameLst>
-                                          <p:attrName>ppt_x</p:attrName>
-                                          <p:attrName>ppt_y</p:attrName>
-                                        </p:attrNameLst>
-                                      </p:cBhvr>
-                                      <p:rCtr x="5560" y="14468"/>
-                                    </p:animMotion>
-                                  </p:childTnLst>
-                                </p:cTn>
-                              </p:par>
-                            </p:childTnLst>
-                          </p:cTn>
-                        </p:par>
-                      </p:childTnLst>
-                    </p:cTn>
-                  </p:par>
-                  <p:par>
-                    <p:cTn id="87" fill="hold">
-                      <p:stCondLst>
-                        <p:cond delay="indefinite"/>
-                      </p:stCondLst>
-                      <p:childTnLst>
-                        <p:par>
-                          <p:cTn id="88" fill="hold">
-                            <p:stCondLst>
-                              <p:cond delay="0"/>
-                            </p:stCondLst>
-                            <p:childTnLst>
-                              <p:par>
-                                <p:cTn id="89" presetID="0" presetClass="path" presetSubtype="0" accel="50000" decel="50000" fill="hold" nodeType="clickEffect">
-                                  <p:stCondLst>
-                                    <p:cond delay="0"/>
-                                  </p:stCondLst>
-                                  <p:childTnLst>
-                                    <p:animMotion origin="layout" path="M -0.00546 -0.02639 L -0.00546 -0.02615 C -0.0069 -0.03565 -0.00976 -0.05648 -0.01249 -0.0662 C -0.03425 -0.13865 -0.0211 -0.09444 -0.03723 -0.13495 C -0.04127 -0.14514 -0.04466 -0.15602 -0.04895 -0.1662 C -0.04999 -0.16898 -0.05117 -0.17176 -0.05234 -0.17453 C -0.05468 -0.1794 -0.05729 -0.18402 -0.05937 -0.18912 C -0.06119 -0.19305 -0.06263 -0.19722 -0.06406 -0.20162 C -0.06497 -0.20416 -0.06536 -0.2074 -0.0664 -0.20995 C -0.06783 -0.21296 -0.06966 -0.21527 -0.07109 -0.21828 C -0.07408 -0.22384 -0.07708 -0.23171 -0.08046 -0.23703 C -0.08164 -0.23865 -0.08294 -0.23958 -0.08411 -0.2412 C -0.08763 -0.24629 -0.08958 -0.25347 -0.09453 -0.25578 C -0.09934 -0.25787 -0.10209 -0.25926 -0.10756 -0.25995 C -0.11172 -0.26041 -0.11615 -0.25995 -0.12032 -0.25995 " pathEditMode="relative" rAng="0" ptsTypes="AAAAAAAAAAAAAAA">
-                                      <p:cBhvr>
-                                        <p:cTn id="90" dur="2000" fill="hold"/>
-                                        <p:tgtEl>
-                                          <p:spTgt spid="10"/>
-                                        </p:tgtEl>
-                                        <p:attrNameLst>
-                                          <p:attrName>ppt_x</p:attrName>
-                                          <p:attrName>ppt_y</p:attrName>
-                                        </p:attrNameLst>
-                                      </p:cBhvr>
-                                      <p:rCtr x="-5742" y="-11690"/>
-                                    </p:animMotion>
-                                  </p:childTnLst>
-                                </p:cTn>
-                              </p:par>
-                              <p:par>
-                                <p:cTn id="91" presetID="0" presetClass="path" presetSubtype="0" accel="50000" decel="50000" fill="hold" nodeType="withEffect">
-                                  <p:stCondLst>
-                                    <p:cond delay="0"/>
-                                  </p:stCondLst>
-                                  <p:childTnLst>
-                                    <p:animMotion origin="layout" path="M 0.00117 -0.00949 L 0.00117 -0.00926 C 0.0026 -0.00208 0.00377 0.00602 0.00572 0.01319 C 0.0069 0.01736 0.00911 0.01991 0.01041 0.02384 C 0.01119 0.02569 0.01106 0.02801 0.01171 0.02986 C 0.0138 0.03657 0.01575 0.03819 0.01744 0.04468 C 0.0207 0.05579 0.0194 0.0537 0.02109 0.06551 C 0.02135 0.06759 0.02187 0.06944 0.02213 0.07153 L 0.02447 0.08819 C 0.025 0.09375 0.02513 0.09954 0.02578 0.10486 C 0.02994 0.1456 0.02643 0.10787 0.02916 0.12801 C 0.02968 0.13125 0.02981 0.13495 0.03046 0.13819 C 0.03098 0.1412 0.03203 0.14375 0.03281 0.14653 C 0.0332 0.14861 0.03346 0.15093 0.03385 0.15301 C 0.03658 0.16481 0.03763 0.17824 0.04218 0.18819 L 0.05625 0.21968 C 0.05742 0.22222 0.0582 0.22569 0.05963 0.22801 C 0.0625 0.23218 0.06536 0.23588 0.06796 0.24051 C 0.06927 0.24282 0.07018 0.24606 0.07135 0.24884 C 0.0733 0.25301 0.07513 0.25741 0.07734 0.26134 C 0.08958 0.2831 0.07526 0.25324 0.08541 0.27384 C 0.09062 0.28403 0.09427 0.29722 0.10078 0.30486 C 0.10182 0.30625 0.10325 0.30741 0.10416 0.30903 C 0.11041 0.32083 0.12877 0.35949 0.13828 0.37384 L 0.15338 0.39653 C 0.15533 0.39954 0.15755 0.40185 0.15937 0.40486 C 0.16171 0.40903 0.1638 0.41366 0.1664 0.41736 C 0.17278 0.42685 0.17929 0.43634 0.18619 0.44468 C 0.1875 0.44606 0.18867 0.44722 0.18984 0.44884 C 0.19257 0.45278 0.19531 0.45694 0.19791 0.46134 C 0.20156 0.46736 0.20468 0.47431 0.20859 0.47986 C 0.21093 0.48333 0.21354 0.48634 0.21562 0.49051 C 0.21901 0.49699 0.22161 0.50463 0.225 0.51111 C 0.22825 0.51782 0.23242 0.52315 0.23541 0.52986 C 0.23697 0.53356 0.23867 0.53681 0.2401 0.54051 C 0.24101 0.54236 0.24166 0.54468 0.24244 0.54653 C 0.24362 0.54884 0.24479 0.55069 0.24609 0.55278 L 0.24375 0.54051 " pathEditMode="relative" rAng="0" ptsTypes="AAAAAAAAAAAAAAAAAAAAAAAAAAAAAAAAAAAAAA">
-                                      <p:cBhvr>
-                                        <p:cTn id="92" dur="2000" fill="hold"/>
-                                        <p:tgtEl>
-                                          <p:spTgt spid="19"/>
-                                        </p:tgtEl>
-                                        <p:attrNameLst>
-                                          <p:attrName>ppt_x</p:attrName>
-                                          <p:attrName>ppt_y</p:attrName>
-                                        </p:attrNameLst>
-                                      </p:cBhvr>
-                                      <p:rCtr x="12240" y="28102"/>
-                                    </p:animMotion>
-                                  </p:childTnLst>
-                                </p:cTn>
-                              </p:par>
-                              <p:par>
-                                <p:cTn id="93" presetID="0" presetClass="path" presetSubtype="0" accel="50000" decel="50000" fill="hold" nodeType="withEffect">
-                                  <p:stCondLst>
-                                    <p:cond delay="0"/>
-                                  </p:stCondLst>
-                                  <p:childTnLst>
-                                    <p:animMotion origin="layout" path="M -0.00443 -0.02268 L -0.00443 -0.02268 C -0.00495 -0.03888 -0.00482 -0.05532 -0.00586 -0.07129 C -0.00625 -0.07638 -0.00768 -0.08101 -0.0086 -0.08588 C -0.00899 -0.08819 -0.00912 -0.09097 -0.0099 -0.09305 C -0.01081 -0.0956 -0.01198 -0.09768 -0.01263 -0.10046 C -0.01524 -0.10972 -0.01237 -0.10648 -0.0168 -0.11504 C -0.02018 -0.12176 -0.02487 -0.12662 -0.02774 -0.13426 C -0.02852 -0.1368 -0.02917 -0.13981 -0.03034 -0.14166 C -0.0319 -0.14398 -0.03425 -0.14444 -0.03581 -0.14652 C -0.04284 -0.15532 -0.03685 -0.15208 -0.04401 -0.15856 C -0.04623 -0.16041 -0.0487 -0.16157 -0.05091 -0.16342 C -0.05326 -0.16551 -0.05521 -0.16875 -0.05768 -0.1706 C -0.06029 -0.17291 -0.06315 -0.17361 -0.06589 -0.17546 C -0.07774 -0.18402 -0.0655 -0.17638 -0.07539 -0.18518 C -0.09063 -0.19884 -0.06511 -0.17222 -0.0849 -0.19259 C -0.08633 -0.19398 -0.08776 -0.19537 -0.08906 -0.19745 C -0.09193 -0.20185 -0.09714 -0.2118 -0.09714 -0.2118 C -0.09961 -0.22476 -0.09779 -0.21713 -0.10404 -0.23379 C -0.10495 -0.23611 -0.1056 -0.23888 -0.10677 -0.24097 C -0.10807 -0.24351 -0.10964 -0.2456 -0.11081 -0.24838 C -0.11289 -0.25277 -0.11628 -0.26273 -0.11628 -0.26273 C -0.1168 -0.26597 -0.11706 -0.26944 -0.11771 -0.27245 C -0.11849 -0.27731 -0.12031 -0.28194 -0.12031 -0.28703 L -0.12031 -0.30393 " pathEditMode="relative" ptsTypes="AAAAAAAAAAAAAAAAAAAAAAAAA">
-                                      <p:cBhvr>
-                                        <p:cTn id="94" dur="2000" fill="hold"/>
-                                        <p:tgtEl>
-                                          <p:spTgt spid="14"/>
-                                        </p:tgtEl>
-                                        <p:attrNameLst>
-                                          <p:attrName>ppt_x</p:attrName>
-                                          <p:attrName>ppt_y</p:attrName>
-                                        </p:attrNameLst>
-                                      </p:cBhvr>
-                                    </p:animMotion>
                                   </p:childTnLst>
                                 </p:cTn>
                               </p:par>
